--- a/REPORT/PP_BAOCAO.pptx
+++ b/REPORT/PP_BAOCAO.pptx
@@ -4,36 +4,41 @@
   <p:sldMasterIdLst>
     <p:sldMasterId id="2147483648" r:id="rId1"/>
   </p:sldMasterIdLst>
+  <p:notesMasterIdLst>
+    <p:notesMasterId r:id="rId33"/>
+  </p:notesMasterIdLst>
   <p:sldIdLst>
-    <p:sldId id="256" r:id="rId2"/>
-    <p:sldId id="257" r:id="rId3"/>
-    <p:sldId id="258" r:id="rId4"/>
-    <p:sldId id="259" r:id="rId5"/>
-    <p:sldId id="260" r:id="rId6"/>
-    <p:sldId id="261" r:id="rId7"/>
-    <p:sldId id="262" r:id="rId8"/>
-    <p:sldId id="263" r:id="rId9"/>
-    <p:sldId id="264" r:id="rId10"/>
-    <p:sldId id="265" r:id="rId11"/>
-    <p:sldId id="266" r:id="rId12"/>
-    <p:sldId id="267" r:id="rId13"/>
-    <p:sldId id="268" r:id="rId14"/>
-    <p:sldId id="269" r:id="rId15"/>
-    <p:sldId id="270" r:id="rId16"/>
-    <p:sldId id="271" r:id="rId17"/>
-    <p:sldId id="272" r:id="rId18"/>
-    <p:sldId id="273" r:id="rId19"/>
-    <p:sldId id="274" r:id="rId20"/>
-    <p:sldId id="275" r:id="rId21"/>
-    <p:sldId id="276" r:id="rId22"/>
-    <p:sldId id="277" r:id="rId23"/>
-    <p:sldId id="278" r:id="rId24"/>
-    <p:sldId id="279" r:id="rId25"/>
-    <p:sldId id="281" r:id="rId26"/>
-    <p:sldId id="280" r:id="rId27"/>
-    <p:sldId id="283" r:id="rId28"/>
-    <p:sldId id="284" r:id="rId29"/>
-    <p:sldId id="285" r:id="rId30"/>
+    <p:sldId id="286" r:id="rId2"/>
+    <p:sldId id="256" r:id="rId3"/>
+    <p:sldId id="257" r:id="rId4"/>
+    <p:sldId id="258" r:id="rId5"/>
+    <p:sldId id="259" r:id="rId6"/>
+    <p:sldId id="260" r:id="rId7"/>
+    <p:sldId id="261" r:id="rId8"/>
+    <p:sldId id="262" r:id="rId9"/>
+    <p:sldId id="263" r:id="rId10"/>
+    <p:sldId id="264" r:id="rId11"/>
+    <p:sldId id="265" r:id="rId12"/>
+    <p:sldId id="266" r:id="rId13"/>
+    <p:sldId id="267" r:id="rId14"/>
+    <p:sldId id="268" r:id="rId15"/>
+    <p:sldId id="269" r:id="rId16"/>
+    <p:sldId id="270" r:id="rId17"/>
+    <p:sldId id="271" r:id="rId18"/>
+    <p:sldId id="287" r:id="rId19"/>
+    <p:sldId id="272" r:id="rId20"/>
+    <p:sldId id="273" r:id="rId21"/>
+    <p:sldId id="274" r:id="rId22"/>
+    <p:sldId id="275" r:id="rId23"/>
+    <p:sldId id="276" r:id="rId24"/>
+    <p:sldId id="277" r:id="rId25"/>
+    <p:sldId id="278" r:id="rId26"/>
+    <p:sldId id="279" r:id="rId27"/>
+    <p:sldId id="281" r:id="rId28"/>
+    <p:sldId id="280" r:id="rId29"/>
+    <p:sldId id="283" r:id="rId30"/>
+    <p:sldId id="284" r:id="rId31"/>
+    <p:sldId id="285" r:id="rId32"/>
   </p:sldIdLst>
   <p:sldSz cx="12192000" cy="6858000"/>
   <p:notesSz cx="6858000" cy="9144000"/>
@@ -140,6 +145,439 @@
 </p:presentation>
 </file>
 
+<file path=ppt/notesMasters/notesMaster1.xml><?xml version="1.0" encoding="utf-8"?>
+<p:notesMaster xmlns:a="http://schemas.openxmlformats.org/drawingml/2006/main" xmlns:r="http://schemas.openxmlformats.org/officeDocument/2006/relationships" xmlns:p="http://schemas.openxmlformats.org/presentationml/2006/main">
+  <p:cSld>
+    <p:bg>
+      <p:bgRef idx="1001">
+        <a:schemeClr val="bg1"/>
+      </p:bgRef>
+    </p:bg>
+    <p:spTree>
+      <p:nvGrpSpPr>
+        <p:cNvPr id="1" name=""/>
+        <p:cNvGrpSpPr/>
+        <p:nvPr/>
+      </p:nvGrpSpPr>
+      <p:grpSpPr>
+        <a:xfrm>
+          <a:off x="0" y="0"/>
+          <a:ext cx="0" cy="0"/>
+          <a:chOff x="0" y="0"/>
+          <a:chExt cx="0" cy="0"/>
+        </a:xfrm>
+      </p:grpSpPr>
+      <p:sp>
+        <p:nvSpPr>
+          <p:cNvPr id="2" name="Header Placeholder 1"/>
+          <p:cNvSpPr>
+            <a:spLocks noGrp="1"/>
+          </p:cNvSpPr>
+          <p:nvPr>
+            <p:ph type="hdr" sz="quarter"/>
+          </p:nvPr>
+        </p:nvSpPr>
+        <p:spPr>
+          <a:xfrm>
+            <a:off x="0" y="0"/>
+            <a:ext cx="2971800" cy="458788"/>
+          </a:xfrm>
+          <a:prstGeom prst="rect">
+            <a:avLst/>
+          </a:prstGeom>
+        </p:spPr>
+        <p:txBody>
+          <a:bodyPr vert="horz" lIns="91440" tIns="45720" rIns="91440" bIns="45720" rtlCol="0"/>
+          <a:lstStyle>
+            <a:lvl1pPr algn="l">
+              <a:defRPr sz="1200"/>
+            </a:lvl1pPr>
+          </a:lstStyle>
+          <a:p>
+            <a:endParaRPr lang="en-US"/>
+          </a:p>
+        </p:txBody>
+      </p:sp>
+      <p:sp>
+        <p:nvSpPr>
+          <p:cNvPr id="3" name="Date Placeholder 2"/>
+          <p:cNvSpPr>
+            <a:spLocks noGrp="1"/>
+          </p:cNvSpPr>
+          <p:nvPr>
+            <p:ph type="dt" idx="1"/>
+          </p:nvPr>
+        </p:nvSpPr>
+        <p:spPr>
+          <a:xfrm>
+            <a:off x="3884613" y="0"/>
+            <a:ext cx="2971800" cy="458788"/>
+          </a:xfrm>
+          <a:prstGeom prst="rect">
+            <a:avLst/>
+          </a:prstGeom>
+        </p:spPr>
+        <p:txBody>
+          <a:bodyPr vert="horz" lIns="91440" tIns="45720" rIns="91440" bIns="45720" rtlCol="0"/>
+          <a:lstStyle>
+            <a:lvl1pPr algn="r">
+              <a:defRPr sz="1200"/>
+            </a:lvl1pPr>
+          </a:lstStyle>
+          <a:p>
+            <a:fld id="{D98907FE-A717-4264-AD6D-F5B44B1DE4E3}" type="datetimeFigureOut">
+              <a:rPr lang="en-US" smtClean="0"/>
+              <a:t>6/3/2024</a:t>
+            </a:fld>
+            <a:endParaRPr lang="en-US"/>
+          </a:p>
+        </p:txBody>
+      </p:sp>
+      <p:sp>
+        <p:nvSpPr>
+          <p:cNvPr id="4" name="Slide Image Placeholder 3"/>
+          <p:cNvSpPr>
+            <a:spLocks noGrp="1" noRot="1" noChangeAspect="1"/>
+          </p:cNvSpPr>
+          <p:nvPr>
+            <p:ph type="sldImg" idx="2"/>
+          </p:nvPr>
+        </p:nvSpPr>
+        <p:spPr>
+          <a:xfrm>
+            <a:off x="685800" y="1143000"/>
+            <a:ext cx="5486400" cy="3086100"/>
+          </a:xfrm>
+          <a:prstGeom prst="rect">
+            <a:avLst/>
+          </a:prstGeom>
+          <a:noFill/>
+          <a:ln w="12700">
+            <a:solidFill>
+              <a:prstClr val="black"/>
+            </a:solidFill>
+          </a:ln>
+        </p:spPr>
+        <p:txBody>
+          <a:bodyPr vert="horz" lIns="91440" tIns="45720" rIns="91440" bIns="45720" rtlCol="0" anchor="ctr"/>
+          <a:lstStyle/>
+          <a:p>
+            <a:endParaRPr lang="en-US"/>
+          </a:p>
+        </p:txBody>
+      </p:sp>
+      <p:sp>
+        <p:nvSpPr>
+          <p:cNvPr id="5" name="Notes Placeholder 4"/>
+          <p:cNvSpPr>
+            <a:spLocks noGrp="1"/>
+          </p:cNvSpPr>
+          <p:nvPr>
+            <p:ph type="body" sz="quarter" idx="3"/>
+          </p:nvPr>
+        </p:nvSpPr>
+        <p:spPr>
+          <a:xfrm>
+            <a:off x="685800" y="4400550"/>
+            <a:ext cx="5486400" cy="3600450"/>
+          </a:xfrm>
+          <a:prstGeom prst="rect">
+            <a:avLst/>
+          </a:prstGeom>
+        </p:spPr>
+        <p:txBody>
+          <a:bodyPr vert="horz" lIns="91440" tIns="45720" rIns="91440" bIns="45720" rtlCol="0"/>
+          <a:lstStyle/>
+          <a:p>
+            <a:pPr lvl="0"/>
+            <a:r>
+              <a:rPr lang="en-US"/>
+              <a:t>Click to edit Master text styles</a:t>
+            </a:r>
+          </a:p>
+          <a:p>
+            <a:pPr lvl="1"/>
+            <a:r>
+              <a:rPr lang="en-US"/>
+              <a:t>Second level</a:t>
+            </a:r>
+          </a:p>
+          <a:p>
+            <a:pPr lvl="2"/>
+            <a:r>
+              <a:rPr lang="en-US"/>
+              <a:t>Third level</a:t>
+            </a:r>
+          </a:p>
+          <a:p>
+            <a:pPr lvl="3"/>
+            <a:r>
+              <a:rPr lang="en-US"/>
+              <a:t>Fourth level</a:t>
+            </a:r>
+          </a:p>
+          <a:p>
+            <a:pPr lvl="4"/>
+            <a:r>
+              <a:rPr lang="en-US"/>
+              <a:t>Fifth level</a:t>
+            </a:r>
+          </a:p>
+        </p:txBody>
+      </p:sp>
+      <p:sp>
+        <p:nvSpPr>
+          <p:cNvPr id="6" name="Footer Placeholder 5"/>
+          <p:cNvSpPr>
+            <a:spLocks noGrp="1"/>
+          </p:cNvSpPr>
+          <p:nvPr>
+            <p:ph type="ftr" sz="quarter" idx="4"/>
+          </p:nvPr>
+        </p:nvSpPr>
+        <p:spPr>
+          <a:xfrm>
+            <a:off x="0" y="8685213"/>
+            <a:ext cx="2971800" cy="458787"/>
+          </a:xfrm>
+          <a:prstGeom prst="rect">
+            <a:avLst/>
+          </a:prstGeom>
+        </p:spPr>
+        <p:txBody>
+          <a:bodyPr vert="horz" lIns="91440" tIns="45720" rIns="91440" bIns="45720" rtlCol="0" anchor="b"/>
+          <a:lstStyle>
+            <a:lvl1pPr algn="l">
+              <a:defRPr sz="1200"/>
+            </a:lvl1pPr>
+          </a:lstStyle>
+          <a:p>
+            <a:endParaRPr lang="en-US"/>
+          </a:p>
+        </p:txBody>
+      </p:sp>
+      <p:sp>
+        <p:nvSpPr>
+          <p:cNvPr id="7" name="Slide Number Placeholder 6"/>
+          <p:cNvSpPr>
+            <a:spLocks noGrp="1"/>
+          </p:cNvSpPr>
+          <p:nvPr>
+            <p:ph type="sldNum" sz="quarter" idx="5"/>
+          </p:nvPr>
+        </p:nvSpPr>
+        <p:spPr>
+          <a:xfrm>
+            <a:off x="3884613" y="8685213"/>
+            <a:ext cx="2971800" cy="458787"/>
+          </a:xfrm>
+          <a:prstGeom prst="rect">
+            <a:avLst/>
+          </a:prstGeom>
+        </p:spPr>
+        <p:txBody>
+          <a:bodyPr vert="horz" lIns="91440" tIns="45720" rIns="91440" bIns="45720" rtlCol="0" anchor="b"/>
+          <a:lstStyle>
+            <a:lvl1pPr algn="r">
+              <a:defRPr sz="1200"/>
+            </a:lvl1pPr>
+          </a:lstStyle>
+          <a:p>
+            <a:fld id="{D4AD4048-B513-4FD5-9177-28654E3D9D0B}" type="slidenum">
+              <a:rPr lang="en-US" smtClean="0"/>
+              <a:t>‹#›</a:t>
+            </a:fld>
+            <a:endParaRPr lang="en-US"/>
+          </a:p>
+        </p:txBody>
+      </p:sp>
+    </p:spTree>
+    <p:extLst>
+      <p:ext uri="{BB962C8B-B14F-4D97-AF65-F5344CB8AC3E}">
+        <p14:creationId xmlns:p14="http://schemas.microsoft.com/office/powerpoint/2010/main" val="3213900868"/>
+      </p:ext>
+    </p:extLst>
+  </p:cSld>
+  <p:clrMap bg1="lt1" tx1="dk1" bg2="lt2" tx2="dk2" accent1="accent1" accent2="accent2" accent3="accent3" accent4="accent4" accent5="accent5" accent6="accent6" hlink="hlink" folHlink="folHlink"/>
+  <p:notesStyle>
+    <a:lvl1pPr marL="0" algn="l" defTabSz="914400" rtl="0" eaLnBrk="1" latinLnBrk="0" hangingPunct="1">
+      <a:defRPr sz="1200" kern="1200">
+        <a:solidFill>
+          <a:schemeClr val="tx1"/>
+        </a:solidFill>
+        <a:latin typeface="+mn-lt"/>
+        <a:ea typeface="+mn-ea"/>
+        <a:cs typeface="+mn-cs"/>
+      </a:defRPr>
+    </a:lvl1pPr>
+    <a:lvl2pPr marL="457200" algn="l" defTabSz="914400" rtl="0" eaLnBrk="1" latinLnBrk="0" hangingPunct="1">
+      <a:defRPr sz="1200" kern="1200">
+        <a:solidFill>
+          <a:schemeClr val="tx1"/>
+        </a:solidFill>
+        <a:latin typeface="+mn-lt"/>
+        <a:ea typeface="+mn-ea"/>
+        <a:cs typeface="+mn-cs"/>
+      </a:defRPr>
+    </a:lvl2pPr>
+    <a:lvl3pPr marL="914400" algn="l" defTabSz="914400" rtl="0" eaLnBrk="1" latinLnBrk="0" hangingPunct="1">
+      <a:defRPr sz="1200" kern="1200">
+        <a:solidFill>
+          <a:schemeClr val="tx1"/>
+        </a:solidFill>
+        <a:latin typeface="+mn-lt"/>
+        <a:ea typeface="+mn-ea"/>
+        <a:cs typeface="+mn-cs"/>
+      </a:defRPr>
+    </a:lvl3pPr>
+    <a:lvl4pPr marL="1371600" algn="l" defTabSz="914400" rtl="0" eaLnBrk="1" latinLnBrk="0" hangingPunct="1">
+      <a:defRPr sz="1200" kern="1200">
+        <a:solidFill>
+          <a:schemeClr val="tx1"/>
+        </a:solidFill>
+        <a:latin typeface="+mn-lt"/>
+        <a:ea typeface="+mn-ea"/>
+        <a:cs typeface="+mn-cs"/>
+      </a:defRPr>
+    </a:lvl4pPr>
+    <a:lvl5pPr marL="1828800" algn="l" defTabSz="914400" rtl="0" eaLnBrk="1" latinLnBrk="0" hangingPunct="1">
+      <a:defRPr sz="1200" kern="1200">
+        <a:solidFill>
+          <a:schemeClr val="tx1"/>
+        </a:solidFill>
+        <a:latin typeface="+mn-lt"/>
+        <a:ea typeface="+mn-ea"/>
+        <a:cs typeface="+mn-cs"/>
+      </a:defRPr>
+    </a:lvl5pPr>
+    <a:lvl6pPr marL="2286000" algn="l" defTabSz="914400" rtl="0" eaLnBrk="1" latinLnBrk="0" hangingPunct="1">
+      <a:defRPr sz="1200" kern="1200">
+        <a:solidFill>
+          <a:schemeClr val="tx1"/>
+        </a:solidFill>
+        <a:latin typeface="+mn-lt"/>
+        <a:ea typeface="+mn-ea"/>
+        <a:cs typeface="+mn-cs"/>
+      </a:defRPr>
+    </a:lvl6pPr>
+    <a:lvl7pPr marL="2743200" algn="l" defTabSz="914400" rtl="0" eaLnBrk="1" latinLnBrk="0" hangingPunct="1">
+      <a:defRPr sz="1200" kern="1200">
+        <a:solidFill>
+          <a:schemeClr val="tx1"/>
+        </a:solidFill>
+        <a:latin typeface="+mn-lt"/>
+        <a:ea typeface="+mn-ea"/>
+        <a:cs typeface="+mn-cs"/>
+      </a:defRPr>
+    </a:lvl7pPr>
+    <a:lvl8pPr marL="3200400" algn="l" defTabSz="914400" rtl="0" eaLnBrk="1" latinLnBrk="0" hangingPunct="1">
+      <a:defRPr sz="1200" kern="1200">
+        <a:solidFill>
+          <a:schemeClr val="tx1"/>
+        </a:solidFill>
+        <a:latin typeface="+mn-lt"/>
+        <a:ea typeface="+mn-ea"/>
+        <a:cs typeface="+mn-cs"/>
+      </a:defRPr>
+    </a:lvl8pPr>
+    <a:lvl9pPr marL="3657600" algn="l" defTabSz="914400" rtl="0" eaLnBrk="1" latinLnBrk="0" hangingPunct="1">
+      <a:defRPr sz="1200" kern="1200">
+        <a:solidFill>
+          <a:schemeClr val="tx1"/>
+        </a:solidFill>
+        <a:latin typeface="+mn-lt"/>
+        <a:ea typeface="+mn-ea"/>
+        <a:cs typeface="+mn-cs"/>
+      </a:defRPr>
+    </a:lvl9pPr>
+  </p:notesStyle>
+</p:notesMaster>
+</file>
+
+<file path=ppt/notesSlides/notesSlide1.xml><?xml version="1.0" encoding="utf-8"?>
+<p:notes xmlns:a="http://schemas.openxmlformats.org/drawingml/2006/main" xmlns:r="http://schemas.openxmlformats.org/officeDocument/2006/relationships" xmlns:p="http://schemas.openxmlformats.org/presentationml/2006/main">
+  <p:cSld>
+    <p:spTree>
+      <p:nvGrpSpPr>
+        <p:cNvPr id="1" name=""/>
+        <p:cNvGrpSpPr/>
+        <p:nvPr/>
+      </p:nvGrpSpPr>
+      <p:grpSpPr>
+        <a:xfrm>
+          <a:off x="0" y="0"/>
+          <a:ext cx="0" cy="0"/>
+          <a:chOff x="0" y="0"/>
+          <a:chExt cx="0" cy="0"/>
+        </a:xfrm>
+      </p:grpSpPr>
+      <p:sp>
+        <p:nvSpPr>
+          <p:cNvPr id="2" name="Slide Image Placeholder 1"/>
+          <p:cNvSpPr>
+            <a:spLocks noGrp="1" noRot="1" noChangeAspect="1"/>
+          </p:cNvSpPr>
+          <p:nvPr>
+            <p:ph type="sldImg"/>
+          </p:nvPr>
+        </p:nvSpPr>
+        <p:spPr/>
+      </p:sp>
+      <p:sp>
+        <p:nvSpPr>
+          <p:cNvPr id="3" name="Notes Placeholder 2"/>
+          <p:cNvSpPr>
+            <a:spLocks noGrp="1"/>
+          </p:cNvSpPr>
+          <p:nvPr>
+            <p:ph type="body" idx="1"/>
+          </p:nvPr>
+        </p:nvSpPr>
+        <p:spPr/>
+        <p:txBody>
+          <a:bodyPr/>
+          <a:lstStyle/>
+          <a:p>
+            <a:endParaRPr lang="en-US"/>
+          </a:p>
+        </p:txBody>
+      </p:sp>
+      <p:sp>
+        <p:nvSpPr>
+          <p:cNvPr id="4" name="Slide Number Placeholder 3"/>
+          <p:cNvSpPr>
+            <a:spLocks noGrp="1"/>
+          </p:cNvSpPr>
+          <p:nvPr>
+            <p:ph type="sldNum" sz="quarter" idx="5"/>
+          </p:nvPr>
+        </p:nvSpPr>
+        <p:spPr/>
+        <p:txBody>
+          <a:bodyPr/>
+          <a:lstStyle/>
+          <a:p>
+            <a:fld id="{D4AD4048-B513-4FD5-9177-28654E3D9D0B}" type="slidenum">
+              <a:rPr lang="en-US" smtClean="0"/>
+              <a:t>4</a:t>
+            </a:fld>
+            <a:endParaRPr lang="en-US"/>
+          </a:p>
+        </p:txBody>
+      </p:sp>
+    </p:spTree>
+    <p:extLst>
+      <p:ext uri="{BB962C8B-B14F-4D97-AF65-F5344CB8AC3E}">
+        <p14:creationId xmlns:p14="http://schemas.microsoft.com/office/powerpoint/2010/main" val="423105412"/>
+      </p:ext>
+    </p:extLst>
+  </p:cSld>
+  <p:clrMapOvr>
+    <a:masterClrMapping/>
+  </p:clrMapOvr>
+</p:notes>
+</file>
+
 <file path=ppt/slideLayouts/slideLayout1.xml><?xml version="1.0" encoding="utf-8"?>
 <p:sldLayout xmlns:a="http://schemas.openxmlformats.org/drawingml/2006/main" xmlns:r="http://schemas.openxmlformats.org/officeDocument/2006/relationships" xmlns:p="http://schemas.openxmlformats.org/presentationml/2006/main" type="title" preserve="1">
   <p:cSld name="Title Slide">
@@ -287,7 +725,7 @@
           <a:p>
             <a:fld id="{65F45A59-9D7A-4873-B3BC-70C059A87E91}" type="datetimeFigureOut">
               <a:rPr lang="en-US" smtClean="0"/>
-              <a:t>5/1/2024</a:t>
+              <a:t>6/3/2024</a:t>
             </a:fld>
             <a:endParaRPr lang="en-US"/>
           </a:p>
@@ -485,7 +923,7 @@
           <a:p>
             <a:fld id="{65F45A59-9D7A-4873-B3BC-70C059A87E91}" type="datetimeFigureOut">
               <a:rPr lang="en-US" smtClean="0"/>
-              <a:t>5/1/2024</a:t>
+              <a:t>6/3/2024</a:t>
             </a:fld>
             <a:endParaRPr lang="en-US"/>
           </a:p>
@@ -693,7 +1131,7 @@
           <a:p>
             <a:fld id="{65F45A59-9D7A-4873-B3BC-70C059A87E91}" type="datetimeFigureOut">
               <a:rPr lang="en-US" smtClean="0"/>
-              <a:t>5/1/2024</a:t>
+              <a:t>6/3/2024</a:t>
             </a:fld>
             <a:endParaRPr lang="en-US"/>
           </a:p>
@@ -891,7 +1329,7 @@
           <a:p>
             <a:fld id="{65F45A59-9D7A-4873-B3BC-70C059A87E91}" type="datetimeFigureOut">
               <a:rPr lang="en-US" smtClean="0"/>
-              <a:t>5/1/2024</a:t>
+              <a:t>6/3/2024</a:t>
             </a:fld>
             <a:endParaRPr lang="en-US"/>
           </a:p>
@@ -1166,7 +1604,7 @@
           <a:p>
             <a:fld id="{65F45A59-9D7A-4873-B3BC-70C059A87E91}" type="datetimeFigureOut">
               <a:rPr lang="en-US" smtClean="0"/>
-              <a:t>5/1/2024</a:t>
+              <a:t>6/3/2024</a:t>
             </a:fld>
             <a:endParaRPr lang="en-US"/>
           </a:p>
@@ -1431,7 +1869,7 @@
           <a:p>
             <a:fld id="{65F45A59-9D7A-4873-B3BC-70C059A87E91}" type="datetimeFigureOut">
               <a:rPr lang="en-US" smtClean="0"/>
-              <a:t>5/1/2024</a:t>
+              <a:t>6/3/2024</a:t>
             </a:fld>
             <a:endParaRPr lang="en-US"/>
           </a:p>
@@ -1843,7 +2281,7 @@
           <a:p>
             <a:fld id="{65F45A59-9D7A-4873-B3BC-70C059A87E91}" type="datetimeFigureOut">
               <a:rPr lang="en-US" smtClean="0"/>
-              <a:t>5/1/2024</a:t>
+              <a:t>6/3/2024</a:t>
             </a:fld>
             <a:endParaRPr lang="en-US"/>
           </a:p>
@@ -1984,7 +2422,7 @@
           <a:p>
             <a:fld id="{65F45A59-9D7A-4873-B3BC-70C059A87E91}" type="datetimeFigureOut">
               <a:rPr lang="en-US" smtClean="0"/>
-              <a:t>5/1/2024</a:t>
+              <a:t>6/3/2024</a:t>
             </a:fld>
             <a:endParaRPr lang="en-US"/>
           </a:p>
@@ -2097,7 +2535,7 @@
           <a:p>
             <a:fld id="{65F45A59-9D7A-4873-B3BC-70C059A87E91}" type="datetimeFigureOut">
               <a:rPr lang="en-US" smtClean="0"/>
-              <a:t>5/1/2024</a:t>
+              <a:t>6/3/2024</a:t>
             </a:fld>
             <a:endParaRPr lang="en-US"/>
           </a:p>
@@ -2408,7 +2846,7 @@
           <a:p>
             <a:fld id="{65F45A59-9D7A-4873-B3BC-70C059A87E91}" type="datetimeFigureOut">
               <a:rPr lang="en-US" smtClean="0"/>
-              <a:t>5/1/2024</a:t>
+              <a:t>6/3/2024</a:t>
             </a:fld>
             <a:endParaRPr lang="en-US"/>
           </a:p>
@@ -2696,7 +3134,7 @@
           <a:p>
             <a:fld id="{65F45A59-9D7A-4873-B3BC-70C059A87E91}" type="datetimeFigureOut">
               <a:rPr lang="en-US" smtClean="0"/>
-              <a:t>5/1/2024</a:t>
+              <a:t>6/3/2024</a:t>
             </a:fld>
             <a:endParaRPr lang="en-US"/>
           </a:p>
@@ -2937,7 +3375,7 @@
           <a:p>
             <a:fld id="{65F45A59-9D7A-4873-B3BC-70C059A87E91}" type="datetimeFigureOut">
               <a:rPr lang="en-US" smtClean="0"/>
-              <a:t>5/1/2024</a:t>
+              <a:t>6/3/2024</a:t>
             </a:fld>
             <a:endParaRPr lang="en-US"/>
           </a:p>
@@ -3354,419 +3792,10 @@
           <a:chExt cx="0" cy="0"/>
         </a:xfrm>
       </p:grpSpPr>
-      <p:sp>
-        <p:nvSpPr>
-          <p:cNvPr id="4" name="TextBox 3">
-            <a:extLst>
-              <a:ext uri="{FF2B5EF4-FFF2-40B4-BE49-F238E27FC236}">
-                <a16:creationId xmlns:a16="http://schemas.microsoft.com/office/drawing/2014/main" id="{A1EBF417-5614-98D3-538B-B3E23C6768B2}"/>
-              </a:ext>
-            </a:extLst>
-          </p:cNvPr>
-          <p:cNvSpPr txBox="1"/>
-          <p:nvPr/>
-        </p:nvSpPr>
-        <p:spPr>
-          <a:xfrm>
-            <a:off x="2015836" y="-43943"/>
-            <a:ext cx="8160327" cy="461665"/>
-          </a:xfrm>
-          <a:prstGeom prst="rect">
-            <a:avLst/>
-          </a:prstGeom>
-          <a:noFill/>
-        </p:spPr>
-        <p:txBody>
-          <a:bodyPr wrap="square" rtlCol="0">
-            <a:spAutoFit/>
-          </a:bodyPr>
-          <a:lstStyle/>
-          <a:p>
-            <a:pPr algn="ctr"/>
-            <a:r>
-              <a:rPr lang="vi-VN" sz="2400" b="1">
-                <a:solidFill>
-                  <a:schemeClr val="tx2">
-                    <a:lumMod val="90000"/>
-                    <a:lumOff val="10000"/>
-                  </a:schemeClr>
-                </a:solidFill>
-                <a:latin typeface="+mj-lt"/>
-              </a:rPr>
-              <a:t>TRƯỜNG ĐẠI HỌC KỸ THUẬT CÔNG NGHỆ CẦN THƠ</a:t>
-            </a:r>
-            <a:endParaRPr lang="en-US" sz="2400" b="1">
-              <a:solidFill>
-                <a:schemeClr val="tx2">
-                  <a:lumMod val="90000"/>
-                  <a:lumOff val="10000"/>
-                </a:schemeClr>
-              </a:solidFill>
-              <a:latin typeface="+mj-lt"/>
-            </a:endParaRPr>
-          </a:p>
-        </p:txBody>
-      </p:sp>
-      <p:sp>
-        <p:nvSpPr>
-          <p:cNvPr id="5" name="TextBox 4">
-            <a:extLst>
-              <a:ext uri="{FF2B5EF4-FFF2-40B4-BE49-F238E27FC236}">
-                <a16:creationId xmlns:a16="http://schemas.microsoft.com/office/drawing/2014/main" id="{5013C41D-01C4-C85E-CD11-9CF2153050B9}"/>
-              </a:ext>
-            </a:extLst>
-          </p:cNvPr>
-          <p:cNvSpPr txBox="1"/>
-          <p:nvPr/>
-        </p:nvSpPr>
-        <p:spPr>
-          <a:xfrm>
-            <a:off x="4033976" y="365298"/>
-            <a:ext cx="3532909" cy="369332"/>
-          </a:xfrm>
-          <a:prstGeom prst="rect">
-            <a:avLst/>
-          </a:prstGeom>
-          <a:noFill/>
-        </p:spPr>
-        <p:txBody>
-          <a:bodyPr wrap="square" rtlCol="0">
-            <a:spAutoFit/>
-          </a:bodyPr>
-          <a:lstStyle/>
-          <a:p>
-            <a:pPr algn="ctr"/>
-            <a:r>
-              <a:rPr lang="vi-VN">
-                <a:solidFill>
-                  <a:schemeClr val="tx2">
-                    <a:lumMod val="90000"/>
-                    <a:lumOff val="10000"/>
-                  </a:schemeClr>
-                </a:solidFill>
-                <a:latin typeface="+mj-lt"/>
-              </a:rPr>
-              <a:t>KHOA CÔNG NGHỆ THÔNG TIN</a:t>
-            </a:r>
-            <a:endParaRPr lang="en-US">
-              <a:solidFill>
-                <a:schemeClr val="tx2">
-                  <a:lumMod val="90000"/>
-                  <a:lumOff val="10000"/>
-                </a:schemeClr>
-              </a:solidFill>
-              <a:latin typeface="+mj-lt"/>
-            </a:endParaRPr>
-          </a:p>
-        </p:txBody>
-      </p:sp>
-      <p:sp>
-        <p:nvSpPr>
-          <p:cNvPr id="6" name="TextBox 5">
-            <a:extLst>
-              <a:ext uri="{FF2B5EF4-FFF2-40B4-BE49-F238E27FC236}">
-                <a16:creationId xmlns:a16="http://schemas.microsoft.com/office/drawing/2014/main" id="{048C30A7-03F7-EA34-2805-CFD48EC21AFE}"/>
-              </a:ext>
-            </a:extLst>
-          </p:cNvPr>
-          <p:cNvSpPr txBox="1"/>
-          <p:nvPr/>
-        </p:nvSpPr>
-        <p:spPr>
-          <a:xfrm>
-            <a:off x="2886357" y="734630"/>
-            <a:ext cx="5828145" cy="400110"/>
-          </a:xfrm>
-          <a:prstGeom prst="rect">
-            <a:avLst/>
-          </a:prstGeom>
-          <a:noFill/>
-        </p:spPr>
-        <p:txBody>
-          <a:bodyPr wrap="square" rtlCol="0">
-            <a:spAutoFit/>
-          </a:bodyPr>
-          <a:lstStyle/>
-          <a:p>
-            <a:pPr algn="ctr"/>
-            <a:r>
-              <a:rPr lang="vi-VN" sz="2000" b="1">
-                <a:solidFill>
-                  <a:schemeClr val="tx2">
-                    <a:lumMod val="90000"/>
-                    <a:lumOff val="10000"/>
-                  </a:schemeClr>
-                </a:solidFill>
-                <a:latin typeface="+mj-lt"/>
-              </a:rPr>
-              <a:t>CHUYÊN NGÀNH KHOA HỌC MÁY TÍNH 2021</a:t>
-            </a:r>
-            <a:endParaRPr lang="en-US" sz="2000" b="1">
-              <a:solidFill>
-                <a:schemeClr val="tx2">
-                  <a:lumMod val="90000"/>
-                  <a:lumOff val="10000"/>
-                </a:schemeClr>
-              </a:solidFill>
-              <a:latin typeface="+mj-lt"/>
-            </a:endParaRPr>
-          </a:p>
-        </p:txBody>
-      </p:sp>
-      <p:pic>
-        <p:nvPicPr>
-          <p:cNvPr id="8" name="Picture 7" descr="A white circle with blue text and a book and a symbol&#10;&#10;Description automatically generated">
-            <a:extLst>
-              <a:ext uri="{FF2B5EF4-FFF2-40B4-BE49-F238E27FC236}">
-                <a16:creationId xmlns:a16="http://schemas.microsoft.com/office/drawing/2014/main" id="{A9818A37-02CA-519C-A706-C1811D4884FF}"/>
-              </a:ext>
-            </a:extLst>
-          </p:cNvPr>
-          <p:cNvPicPr>
-            <a:picLocks noChangeAspect="1"/>
-          </p:cNvPicPr>
-          <p:nvPr/>
-        </p:nvPicPr>
-        <p:blipFill>
-          <a:blip r:embed="rId2">
-            <a:extLst>
-              <a:ext uri="{28A0092B-C50C-407E-A947-70E740481C1C}">
-                <a14:useLocalDpi xmlns:a14="http://schemas.microsoft.com/office/drawing/2010/main" val="0"/>
-              </a:ext>
-            </a:extLst>
-          </a:blip>
-          <a:stretch>
-            <a:fillRect/>
-          </a:stretch>
-        </p:blipFill>
-        <p:spPr>
-          <a:xfrm>
-            <a:off x="5049977" y="1275705"/>
-            <a:ext cx="1500909" cy="1500909"/>
-          </a:xfrm>
-          <a:prstGeom prst="rect">
-            <a:avLst/>
-          </a:prstGeom>
-          <a:ln>
-            <a:noFill/>
-          </a:ln>
-          <a:effectLst>
-            <a:outerShdw blurRad="292100" dist="139700" dir="2700000" algn="tl" rotWithShape="0">
-              <a:srgbClr val="333333">
-                <a:alpha val="65000"/>
-              </a:srgbClr>
-            </a:outerShdw>
-          </a:effectLst>
-        </p:spPr>
-      </p:pic>
-      <p:sp>
-        <p:nvSpPr>
-          <p:cNvPr id="9" name="TextBox 8">
-            <a:extLst>
-              <a:ext uri="{FF2B5EF4-FFF2-40B4-BE49-F238E27FC236}">
-                <a16:creationId xmlns:a16="http://schemas.microsoft.com/office/drawing/2014/main" id="{9505F6C9-55EA-E4E3-709A-0ACF1AD56B97}"/>
-              </a:ext>
-            </a:extLst>
-          </p:cNvPr>
-          <p:cNvSpPr txBox="1"/>
-          <p:nvPr/>
-        </p:nvSpPr>
-        <p:spPr>
-          <a:xfrm>
-            <a:off x="4856585" y="2917579"/>
-            <a:ext cx="1887687" cy="584775"/>
-          </a:xfrm>
-          <a:prstGeom prst="rect">
-            <a:avLst/>
-          </a:prstGeom>
-          <a:noFill/>
-        </p:spPr>
-        <p:txBody>
-          <a:bodyPr wrap="square" rtlCol="0">
-            <a:spAutoFit/>
-          </a:bodyPr>
-          <a:lstStyle/>
-          <a:p>
-            <a:pPr algn="ctr"/>
-            <a:r>
-              <a:rPr lang="vi-VN" sz="3200" b="1">
-                <a:solidFill>
-                  <a:schemeClr val="tx2">
-                    <a:lumMod val="90000"/>
-                    <a:lumOff val="10000"/>
-                  </a:schemeClr>
-                </a:solidFill>
-                <a:latin typeface="+mj-lt"/>
-              </a:rPr>
-              <a:t>ĐỒ ÁN 2</a:t>
-            </a:r>
-            <a:endParaRPr lang="en-US" sz="3200" b="1">
-              <a:solidFill>
-                <a:schemeClr val="tx2">
-                  <a:lumMod val="90000"/>
-                  <a:lumOff val="10000"/>
-                </a:schemeClr>
-              </a:solidFill>
-              <a:latin typeface="+mj-lt"/>
-            </a:endParaRPr>
-          </a:p>
-        </p:txBody>
-      </p:sp>
-      <p:sp>
-        <p:nvSpPr>
-          <p:cNvPr id="10" name="TextBox 9">
-            <a:extLst>
-              <a:ext uri="{FF2B5EF4-FFF2-40B4-BE49-F238E27FC236}">
-                <a16:creationId xmlns:a16="http://schemas.microsoft.com/office/drawing/2014/main" id="{249C0E92-C095-C094-A4C2-FF900780CC76}"/>
-              </a:ext>
-            </a:extLst>
-          </p:cNvPr>
-          <p:cNvSpPr txBox="1"/>
-          <p:nvPr/>
-        </p:nvSpPr>
-        <p:spPr>
-          <a:xfrm>
-            <a:off x="-249383" y="3373955"/>
-            <a:ext cx="12515273" cy="1200329"/>
-          </a:xfrm>
-          <a:prstGeom prst="rect">
-            <a:avLst/>
-          </a:prstGeom>
-          <a:noFill/>
-        </p:spPr>
-        <p:txBody>
-          <a:bodyPr wrap="square" rtlCol="0">
-            <a:spAutoFit/>
-          </a:bodyPr>
-          <a:lstStyle/>
-          <a:p>
-            <a:pPr algn="ctr"/>
-            <a:r>
-              <a:rPr lang="vi-VN" sz="3600" b="1">
-                <a:solidFill>
-                  <a:srgbClr val="FF0000"/>
-                </a:solidFill>
-                <a:effectLst>
-                  <a:outerShdw blurRad="50800" dist="38100" dir="2700000" algn="tl" rotWithShape="0">
-                    <a:prstClr val="black">
-                      <a:alpha val="40000"/>
-                    </a:prstClr>
-                  </a:outerShdw>
-                </a:effectLst>
-                <a:latin typeface="+mj-lt"/>
-              </a:rPr>
-              <a:t>XÂY DỰNG HỆ THỐNG PHÂN LOẠI CÁC VĂN BẢN THEO CHỦ ĐỀ</a:t>
-            </a:r>
-            <a:endParaRPr lang="en-US" sz="3600" b="1">
-              <a:solidFill>
-                <a:srgbClr val="FF0000"/>
-              </a:solidFill>
-              <a:effectLst>
-                <a:outerShdw blurRad="50800" dist="38100" dir="2700000" algn="tl" rotWithShape="0">
-                  <a:prstClr val="black">
-                    <a:alpha val="40000"/>
-                  </a:prstClr>
-                </a:outerShdw>
-              </a:effectLst>
-              <a:latin typeface="+mj-lt"/>
-            </a:endParaRPr>
-          </a:p>
-        </p:txBody>
-      </p:sp>
-      <p:sp>
-        <p:nvSpPr>
-          <p:cNvPr id="11" name="TextBox 10">
-            <a:extLst>
-              <a:ext uri="{FF2B5EF4-FFF2-40B4-BE49-F238E27FC236}">
-                <a16:creationId xmlns:a16="http://schemas.microsoft.com/office/drawing/2014/main" id="{F9285FF3-BCD5-6DFD-B792-E7389C3531FC}"/>
-              </a:ext>
-            </a:extLst>
-          </p:cNvPr>
-          <p:cNvSpPr txBox="1"/>
-          <p:nvPr/>
-        </p:nvSpPr>
-        <p:spPr>
-          <a:xfrm>
-            <a:off x="1286156" y="5868059"/>
-            <a:ext cx="9028550" cy="830997"/>
-          </a:xfrm>
-          <a:prstGeom prst="rect">
-            <a:avLst/>
-          </a:prstGeom>
-          <a:noFill/>
-        </p:spPr>
-        <p:txBody>
-          <a:bodyPr wrap="square" rtlCol="0">
-            <a:spAutoFit/>
-          </a:bodyPr>
-          <a:lstStyle/>
-          <a:p>
-            <a:r>
-              <a:rPr lang="vi-VN" sz="2400">
-                <a:solidFill>
-                  <a:schemeClr val="tx2">
-                    <a:lumMod val="90000"/>
-                    <a:lumOff val="10000"/>
-                  </a:schemeClr>
-                </a:solidFill>
-                <a:latin typeface="+mj-lt"/>
-              </a:rPr>
-              <a:t>Giảng viên hướng dẫn: </a:t>
-            </a:r>
-            <a:r>
-              <a:rPr lang="vi-VN" sz="2400" b="1">
-                <a:solidFill>
-                  <a:schemeClr val="tx2">
-                    <a:lumMod val="90000"/>
-                    <a:lumOff val="10000"/>
-                  </a:schemeClr>
-                </a:solidFill>
-                <a:latin typeface="+mj-lt"/>
-              </a:rPr>
-              <a:t>Ths. NGUYỄN NHỰT QUỲNH</a:t>
-            </a:r>
-          </a:p>
-          <a:p>
-            <a:r>
-              <a:rPr lang="vi-VN" sz="2400">
-                <a:solidFill>
-                  <a:schemeClr val="tx2">
-                    <a:lumMod val="90000"/>
-                    <a:lumOff val="10000"/>
-                  </a:schemeClr>
-                </a:solidFill>
-                <a:latin typeface="+mj-lt"/>
-              </a:rPr>
-              <a:t>Sinh viên thực hiện: </a:t>
-            </a:r>
-            <a:r>
-              <a:rPr lang="vi-VN" sz="2400" b="1">
-                <a:solidFill>
-                  <a:schemeClr val="tx2">
-                    <a:lumMod val="90000"/>
-                    <a:lumOff val="10000"/>
-                  </a:schemeClr>
-                </a:solidFill>
-                <a:latin typeface="+mj-lt"/>
-              </a:rPr>
-              <a:t>Lê Phước Hữu 2100450, Võ Văn Thạch 2101389</a:t>
-            </a:r>
-            <a:endParaRPr lang="en-US" sz="2400" b="1">
-              <a:solidFill>
-                <a:schemeClr val="tx2">
-                  <a:lumMod val="90000"/>
-                  <a:lumOff val="10000"/>
-                </a:schemeClr>
-              </a:solidFill>
-              <a:latin typeface="+mj-lt"/>
-            </a:endParaRPr>
-          </a:p>
-        </p:txBody>
-      </p:sp>
     </p:spTree>
     <p:extLst>
       <p:ext uri="{BB962C8B-B14F-4D97-AF65-F5344CB8AC3E}">
-        <p14:creationId xmlns:p14="http://schemas.microsoft.com/office/powerpoint/2010/main" val="3412621734"/>
+        <p14:creationId xmlns:p14="http://schemas.microsoft.com/office/powerpoint/2010/main" val="2323766462"/>
       </p:ext>
     </p:extLst>
   </p:cSld>
@@ -4075,6 +4104,383 @@
                 </a:solidFill>
                 <a:latin typeface="+mj-lt"/>
               </a:rPr>
+              <a:t> Mô hình phân loại văn bản</a:t>
+            </a:r>
+          </a:p>
+        </p:txBody>
+      </p:sp>
+      <p:pic>
+        <p:nvPicPr>
+          <p:cNvPr id="13" name="Picture 12">
+            <a:extLst>
+              <a:ext uri="{FF2B5EF4-FFF2-40B4-BE49-F238E27FC236}">
+                <a16:creationId xmlns:a16="http://schemas.microsoft.com/office/drawing/2014/main" id="{B5DAE854-A054-BF13-B337-55B29CE33C6F}"/>
+              </a:ext>
+            </a:extLst>
+          </p:cNvPr>
+          <p:cNvPicPr>
+            <a:picLocks noChangeAspect="1"/>
+          </p:cNvPicPr>
+          <p:nvPr/>
+        </p:nvPicPr>
+        <p:blipFill>
+          <a:blip r:embed="rId2"/>
+          <a:stretch>
+            <a:fillRect/>
+          </a:stretch>
+        </p:blipFill>
+        <p:spPr>
+          <a:xfrm>
+            <a:off x="326504" y="2400692"/>
+            <a:ext cx="11027296" cy="3916979"/>
+          </a:xfrm>
+          <a:prstGeom prst="rect">
+            <a:avLst/>
+          </a:prstGeom>
+          <a:solidFill>
+            <a:srgbClr val="FFFFFF">
+              <a:shade val="85000"/>
+            </a:srgbClr>
+          </a:solidFill>
+          <a:ln w="88900" cap="sq">
+            <a:solidFill>
+              <a:srgbClr val="FFFFFF"/>
+            </a:solidFill>
+            <a:miter lim="800000"/>
+          </a:ln>
+          <a:effectLst>
+            <a:outerShdw blurRad="55000" dist="18000" dir="5400000" algn="tl" rotWithShape="0">
+              <a:srgbClr val="000000">
+                <a:alpha val="40000"/>
+              </a:srgbClr>
+            </a:outerShdw>
+          </a:effectLst>
+          <a:scene3d>
+            <a:camera prst="orthographicFront"/>
+            <a:lightRig rig="twoPt" dir="t">
+              <a:rot lat="0" lon="0" rev="7200000"/>
+            </a:lightRig>
+          </a:scene3d>
+          <a:sp3d>
+            <a:bevelT w="25400" h="19050"/>
+            <a:contourClr>
+              <a:srgbClr val="FFFFFF"/>
+            </a:contourClr>
+          </a:sp3d>
+        </p:spPr>
+      </p:pic>
+    </p:spTree>
+    <p:extLst>
+      <p:ext uri="{BB962C8B-B14F-4D97-AF65-F5344CB8AC3E}">
+        <p14:creationId xmlns:p14="http://schemas.microsoft.com/office/powerpoint/2010/main" val="3618317551"/>
+      </p:ext>
+    </p:extLst>
+  </p:cSld>
+  <p:clrMapOvr>
+    <a:masterClrMapping/>
+  </p:clrMapOvr>
+</p:sld>
+</file>
+
+<file path=ppt/slides/slide11.xml><?xml version="1.0" encoding="utf-8"?>
+<p:sld xmlns:a="http://schemas.openxmlformats.org/drawingml/2006/main" xmlns:r="http://schemas.openxmlformats.org/officeDocument/2006/relationships" xmlns:p="http://schemas.openxmlformats.org/presentationml/2006/main">
+  <p:cSld>
+    <p:spTree>
+      <p:nvGrpSpPr>
+        <p:cNvPr id="1" name=""/>
+        <p:cNvGrpSpPr/>
+        <p:nvPr/>
+      </p:nvGrpSpPr>
+      <p:grpSpPr>
+        <a:xfrm>
+          <a:off x="0" y="0"/>
+          <a:ext cx="0" cy="0"/>
+          <a:chOff x="0" y="0"/>
+          <a:chExt cx="0" cy="0"/>
+        </a:xfrm>
+      </p:grpSpPr>
+      <p:sp>
+        <p:nvSpPr>
+          <p:cNvPr id="2" name="Title 1">
+            <a:extLst>
+              <a:ext uri="{FF2B5EF4-FFF2-40B4-BE49-F238E27FC236}">
+                <a16:creationId xmlns:a16="http://schemas.microsoft.com/office/drawing/2014/main" id="{AA675B46-CDB0-B7C0-37A7-8B0AC0F16C62}"/>
+              </a:ext>
+            </a:extLst>
+          </p:cNvPr>
+          <p:cNvSpPr>
+            <a:spLocks noGrp="1"/>
+          </p:cNvSpPr>
+          <p:nvPr>
+            <p:ph type="title"/>
+          </p:nvPr>
+        </p:nvSpPr>
+        <p:spPr/>
+        <p:txBody>
+          <a:bodyPr>
+            <a:normAutofit/>
+          </a:bodyPr>
+          <a:lstStyle/>
+          <a:p>
+            <a:r>
+              <a:rPr lang="vi-VN" sz="5400" b="1">
+                <a:solidFill>
+                  <a:schemeClr val="tx2">
+                    <a:lumMod val="90000"/>
+                    <a:lumOff val="10000"/>
+                  </a:schemeClr>
+                </a:solidFill>
+                <a:effectLst>
+                  <a:outerShdw blurRad="50800" dist="38100" dir="2700000" algn="tl" rotWithShape="0">
+                    <a:prstClr val="black">
+                      <a:alpha val="40000"/>
+                    </a:prstClr>
+                  </a:outerShdw>
+                </a:effectLst>
+              </a:rPr>
+              <a:t>PHÂN LOẠI VĂN BẢN</a:t>
+            </a:r>
+            <a:endParaRPr lang="en-US" sz="5400" b="1">
+              <a:solidFill>
+                <a:schemeClr val="tx2">
+                  <a:lumMod val="90000"/>
+                  <a:lumOff val="10000"/>
+                </a:schemeClr>
+              </a:solidFill>
+              <a:effectLst>
+                <a:outerShdw blurRad="50800" dist="38100" dir="2700000" algn="tl" rotWithShape="0">
+                  <a:prstClr val="black">
+                    <a:alpha val="40000"/>
+                  </a:prstClr>
+                </a:outerShdw>
+              </a:effectLst>
+            </a:endParaRPr>
+          </a:p>
+        </p:txBody>
+      </p:sp>
+      <p:sp>
+        <p:nvSpPr>
+          <p:cNvPr id="4" name="Rectangle 3">
+            <a:extLst>
+              <a:ext uri="{FF2B5EF4-FFF2-40B4-BE49-F238E27FC236}">
+                <a16:creationId xmlns:a16="http://schemas.microsoft.com/office/drawing/2014/main" id="{4F46E0BB-1F75-B143-DEB4-E3A2BFF86F6A}"/>
+              </a:ext>
+            </a:extLst>
+          </p:cNvPr>
+          <p:cNvSpPr/>
+          <p:nvPr/>
+        </p:nvSpPr>
+        <p:spPr>
+          <a:xfrm>
+            <a:off x="11914908" y="0"/>
+            <a:ext cx="277091" cy="6858000"/>
+          </a:xfrm>
+          <a:prstGeom prst="rect">
+            <a:avLst/>
+          </a:prstGeom>
+          <a:solidFill>
+            <a:schemeClr val="tx2">
+              <a:lumMod val="90000"/>
+              <a:lumOff val="10000"/>
+            </a:schemeClr>
+          </a:solidFill>
+          <a:ln>
+            <a:solidFill>
+              <a:schemeClr val="tx2">
+                <a:lumMod val="90000"/>
+                <a:lumOff val="10000"/>
+              </a:schemeClr>
+            </a:solidFill>
+          </a:ln>
+        </p:spPr>
+        <p:style>
+          <a:lnRef idx="2">
+            <a:schemeClr val="accent1">
+              <a:shade val="15000"/>
+            </a:schemeClr>
+          </a:lnRef>
+          <a:fillRef idx="1">
+            <a:schemeClr val="accent1"/>
+          </a:fillRef>
+          <a:effectRef idx="0">
+            <a:schemeClr val="accent1"/>
+          </a:effectRef>
+          <a:fontRef idx="minor">
+            <a:schemeClr val="lt1"/>
+          </a:fontRef>
+        </p:style>
+        <p:txBody>
+          <a:bodyPr rtlCol="0" anchor="ctr"/>
+          <a:lstStyle/>
+          <a:p>
+            <a:pPr algn="ctr"/>
+            <a:endParaRPr lang="en-US"/>
+          </a:p>
+        </p:txBody>
+      </p:sp>
+      <p:sp>
+        <p:nvSpPr>
+          <p:cNvPr id="5" name="Rectangle 4">
+            <a:extLst>
+              <a:ext uri="{FF2B5EF4-FFF2-40B4-BE49-F238E27FC236}">
+                <a16:creationId xmlns:a16="http://schemas.microsoft.com/office/drawing/2014/main" id="{FA4BA7D2-6425-7504-9ADA-A15DD76E4697}"/>
+              </a:ext>
+            </a:extLst>
+          </p:cNvPr>
+          <p:cNvSpPr/>
+          <p:nvPr/>
+        </p:nvSpPr>
+        <p:spPr>
+          <a:xfrm>
+            <a:off x="11727295" y="0"/>
+            <a:ext cx="125844" cy="6858000"/>
+          </a:xfrm>
+          <a:prstGeom prst="rect">
+            <a:avLst/>
+          </a:prstGeom>
+          <a:solidFill>
+            <a:schemeClr val="tx2">
+              <a:lumMod val="90000"/>
+              <a:lumOff val="10000"/>
+            </a:schemeClr>
+          </a:solidFill>
+          <a:ln>
+            <a:solidFill>
+              <a:schemeClr val="tx2">
+                <a:lumMod val="90000"/>
+                <a:lumOff val="10000"/>
+              </a:schemeClr>
+            </a:solidFill>
+          </a:ln>
+        </p:spPr>
+        <p:style>
+          <a:lnRef idx="2">
+            <a:schemeClr val="accent1">
+              <a:shade val="15000"/>
+            </a:schemeClr>
+          </a:lnRef>
+          <a:fillRef idx="1">
+            <a:schemeClr val="accent1"/>
+          </a:fillRef>
+          <a:effectRef idx="0">
+            <a:schemeClr val="accent1"/>
+          </a:effectRef>
+          <a:fontRef idx="minor">
+            <a:schemeClr val="lt1"/>
+          </a:fontRef>
+        </p:style>
+        <p:txBody>
+          <a:bodyPr rtlCol="0" anchor="ctr"/>
+          <a:lstStyle/>
+          <a:p>
+            <a:pPr algn="ctr"/>
+            <a:endParaRPr lang="en-US"/>
+          </a:p>
+        </p:txBody>
+      </p:sp>
+      <p:sp>
+        <p:nvSpPr>
+          <p:cNvPr id="6" name="Rectangle 5">
+            <a:extLst>
+              <a:ext uri="{FF2B5EF4-FFF2-40B4-BE49-F238E27FC236}">
+                <a16:creationId xmlns:a16="http://schemas.microsoft.com/office/drawing/2014/main" id="{4C0EE8DA-A280-FE80-807C-7240960D0B81}"/>
+              </a:ext>
+            </a:extLst>
+          </p:cNvPr>
+          <p:cNvSpPr/>
+          <p:nvPr/>
+        </p:nvSpPr>
+        <p:spPr>
+          <a:xfrm>
+            <a:off x="11603758" y="1"/>
+            <a:ext cx="61768" cy="6857999"/>
+          </a:xfrm>
+          <a:prstGeom prst="rect">
+            <a:avLst/>
+          </a:prstGeom>
+          <a:solidFill>
+            <a:schemeClr val="tx2">
+              <a:lumMod val="90000"/>
+              <a:lumOff val="10000"/>
+            </a:schemeClr>
+          </a:solidFill>
+          <a:ln>
+            <a:solidFill>
+              <a:schemeClr val="tx2">
+                <a:lumMod val="90000"/>
+                <a:lumOff val="10000"/>
+              </a:schemeClr>
+            </a:solidFill>
+          </a:ln>
+        </p:spPr>
+        <p:style>
+          <a:lnRef idx="2">
+            <a:schemeClr val="accent1">
+              <a:shade val="15000"/>
+            </a:schemeClr>
+          </a:lnRef>
+          <a:fillRef idx="1">
+            <a:schemeClr val="accent1"/>
+          </a:fillRef>
+          <a:effectRef idx="0">
+            <a:schemeClr val="accent1"/>
+          </a:effectRef>
+          <a:fontRef idx="minor">
+            <a:schemeClr val="lt1"/>
+          </a:fontRef>
+        </p:style>
+        <p:txBody>
+          <a:bodyPr rtlCol="0" anchor="ctr"/>
+          <a:lstStyle/>
+          <a:p>
+            <a:pPr algn="ctr"/>
+            <a:endParaRPr lang="en-US"/>
+          </a:p>
+        </p:txBody>
+      </p:sp>
+      <p:sp>
+        <p:nvSpPr>
+          <p:cNvPr id="10" name="Content Placeholder 2">
+            <a:extLst>
+              <a:ext uri="{FF2B5EF4-FFF2-40B4-BE49-F238E27FC236}">
+                <a16:creationId xmlns:a16="http://schemas.microsoft.com/office/drawing/2014/main" id="{B55D6EF1-1EE1-3F19-0A10-683578286756}"/>
+              </a:ext>
+            </a:extLst>
+          </p:cNvPr>
+          <p:cNvSpPr>
+            <a:spLocks noGrp="1"/>
+          </p:cNvSpPr>
+          <p:nvPr>
+            <p:ph idx="1"/>
+          </p:nvPr>
+        </p:nvSpPr>
+        <p:spPr>
+          <a:xfrm>
+            <a:off x="838200" y="1162628"/>
+            <a:ext cx="8649279" cy="1056119"/>
+          </a:xfrm>
+        </p:spPr>
+        <p:txBody>
+          <a:bodyPr>
+            <a:normAutofit/>
+          </a:bodyPr>
+          <a:lstStyle/>
+          <a:p>
+            <a:pPr>
+              <a:lnSpc>
+                <a:spcPct val="170000"/>
+              </a:lnSpc>
+            </a:pPr>
+            <a:r>
+              <a:rPr lang="vi-VN" sz="3600" b="1">
+                <a:solidFill>
+                  <a:schemeClr val="tx2">
+                    <a:lumMod val="90000"/>
+                    <a:lumOff val="10000"/>
+                  </a:schemeClr>
+                </a:solidFill>
+                <a:latin typeface="+mj-lt"/>
+              </a:rPr>
               <a:t> Ứng dụng</a:t>
             </a:r>
           </a:p>
@@ -4232,7 +4638,7 @@
 </p:sld>
 </file>
 
-<file path=ppt/slides/slide11.xml><?xml version="1.0" encoding="utf-8"?>
+<file path=ppt/slides/slide12.xml><?xml version="1.0" encoding="utf-8"?>
 <p:sld xmlns:a="http://schemas.openxmlformats.org/drawingml/2006/main" xmlns:r="http://schemas.openxmlformats.org/officeDocument/2006/relationships" xmlns:p="http://schemas.openxmlformats.org/presentationml/2006/main">
   <p:cSld>
     <p:spTree>
@@ -4719,7 +5125,7 @@
 </p:sld>
 </file>
 
-<file path=ppt/slides/slide12.xml><?xml version="1.0" encoding="utf-8"?>
+<file path=ppt/slides/slide13.xml><?xml version="1.0" encoding="utf-8"?>
 <p:sld xmlns:a="http://schemas.openxmlformats.org/drawingml/2006/main" xmlns:r="http://schemas.openxmlformats.org/officeDocument/2006/relationships" xmlns:p="http://schemas.openxmlformats.org/presentationml/2006/main">
   <p:cSld>
     <p:spTree>
@@ -5157,7 +5563,7 @@
 </p:sld>
 </file>
 
-<file path=ppt/slides/slide13.xml><?xml version="1.0" encoding="utf-8"?>
+<file path=ppt/slides/slide14.xml><?xml version="1.0" encoding="utf-8"?>
 <p:sld xmlns:a="http://schemas.openxmlformats.org/drawingml/2006/main" xmlns:r="http://schemas.openxmlformats.org/officeDocument/2006/relationships" xmlns:p="http://schemas.openxmlformats.org/presentationml/2006/main">
   <p:cSld>
     <p:spTree>
@@ -5621,7 +6027,7 @@
 </p:sld>
 </file>
 
-<file path=ppt/slides/slide14.xml><?xml version="1.0" encoding="utf-8"?>
+<file path=ppt/slides/slide15.xml><?xml version="1.0" encoding="utf-8"?>
 <p:sld xmlns:a="http://schemas.openxmlformats.org/drawingml/2006/main" xmlns:r="http://schemas.openxmlformats.org/officeDocument/2006/relationships" xmlns:p="http://schemas.openxmlformats.org/presentationml/2006/main">
   <p:cSld>
     <p:spTree>
@@ -6077,7 +6483,7 @@
 </p:sld>
 </file>
 
-<file path=ppt/slides/slide15.xml><?xml version="1.0" encoding="utf-8"?>
+<file path=ppt/slides/slide16.xml><?xml version="1.0" encoding="utf-8"?>
 <p:sld xmlns:a="http://schemas.openxmlformats.org/drawingml/2006/main" xmlns:r="http://schemas.openxmlformats.org/officeDocument/2006/relationships" xmlns:p="http://schemas.openxmlformats.org/presentationml/2006/main">
   <p:cSld>
     <p:spTree>
@@ -6425,7 +6831,7 @@
                 <a:latin typeface="Times New Roman" panose="02020603050405020304" pitchFamily="18" charset="0"/>
                 <a:cs typeface="Times New Roman" panose="02020603050405020304" pitchFamily="18" charset="0"/>
               </a:rPr>
-              <a:t>	Naive Bayes là một phương pháp dựa trên Định lý Bayes về xác suất, sử dụng để đưa ra dự đoán, phân loại dữ liệu dựa trên thông tin trích xuất.</a:t>
+              <a:t>	Naive Bayes là một phương pháp dựa trên định lý Bayes về xác suất, sử dụng để đưa ra dự đoán, phân loại dữ liệu dựa trên thông tin trích xuất.</a:t>
             </a:r>
           </a:p>
           <a:p>
@@ -6489,7 +6895,7 @@
 </p:sld>
 </file>
 
-<file path=ppt/slides/slide16.xml><?xml version="1.0" encoding="utf-8"?>
+<file path=ppt/slides/slide17.xml><?xml version="1.0" encoding="utf-8"?>
 <p:sld xmlns:a="http://schemas.openxmlformats.org/drawingml/2006/main" xmlns:r="http://schemas.openxmlformats.org/officeDocument/2006/relationships" xmlns:p="http://schemas.openxmlformats.org/presentationml/2006/main">
   <p:cSld>
     <p:spTree>
@@ -6781,36 +7187,6 @@
           </a:p>
         </p:txBody>
       </p:sp>
-      <p:pic>
-        <p:nvPicPr>
-          <p:cNvPr id="3" name="Picture 2">
-            <a:extLst>
-              <a:ext uri="{FF2B5EF4-FFF2-40B4-BE49-F238E27FC236}">
-                <a16:creationId xmlns:a16="http://schemas.microsoft.com/office/drawing/2014/main" id="{1DF99334-B3C3-D0C2-62B6-F2DFD120D973}"/>
-              </a:ext>
-            </a:extLst>
-          </p:cNvPr>
-          <p:cNvPicPr>
-            <a:picLocks noChangeAspect="1"/>
-          </p:cNvPicPr>
-          <p:nvPr/>
-        </p:nvPicPr>
-        <p:blipFill>
-          <a:blip r:embed="rId2"/>
-          <a:stretch>
-            <a:fillRect/>
-          </a:stretch>
-        </p:blipFill>
-        <p:spPr>
-          <a:xfrm>
-            <a:off x="2675472" y="5282155"/>
-            <a:ext cx="6791120" cy="1478574"/>
-          </a:xfrm>
-          <a:prstGeom prst="rect">
-            <a:avLst/>
-          </a:prstGeom>
-        </p:spPr>
-      </p:pic>
       <p:sp>
         <p:nvSpPr>
           <p:cNvPr id="13" name="TextBox 12">
@@ -6923,6 +7299,36 @@
           </a:p>
         </p:txBody>
       </p:sp>
+      <p:pic>
+        <p:nvPicPr>
+          <p:cNvPr id="8" name="Picture 7">
+            <a:extLst>
+              <a:ext uri="{FF2B5EF4-FFF2-40B4-BE49-F238E27FC236}">
+                <a16:creationId xmlns:a16="http://schemas.microsoft.com/office/drawing/2014/main" id="{D9E2E05C-D1F1-6C6F-6718-F025416C6284}"/>
+              </a:ext>
+            </a:extLst>
+          </p:cNvPr>
+          <p:cNvPicPr>
+            <a:picLocks noChangeAspect="1"/>
+          </p:cNvPicPr>
+          <p:nvPr/>
+        </p:nvPicPr>
+        <p:blipFill>
+          <a:blip r:embed="rId2"/>
+          <a:stretch>
+            <a:fillRect/>
+          </a:stretch>
+        </p:blipFill>
+        <p:spPr>
+          <a:xfrm>
+            <a:off x="2663893" y="5060852"/>
+            <a:ext cx="5758223" cy="1781210"/>
+          </a:xfrm>
+          <a:prstGeom prst="rect">
+            <a:avLst/>
+          </a:prstGeom>
+        </p:spPr>
+      </p:pic>
     </p:spTree>
     <p:extLst>
       <p:ext uri="{BB962C8B-B14F-4D97-AF65-F5344CB8AC3E}">
@@ -6936,7 +7342,329 @@
 </p:sld>
 </file>
 
-<file path=ppt/slides/slide17.xml><?xml version="1.0" encoding="utf-8"?>
+<file path=ppt/slides/slide18.xml><?xml version="1.0" encoding="utf-8"?>
+<p:sld xmlns:a="http://schemas.openxmlformats.org/drawingml/2006/main" xmlns:r="http://schemas.openxmlformats.org/officeDocument/2006/relationships" xmlns:p="http://schemas.openxmlformats.org/presentationml/2006/main">
+  <p:cSld>
+    <p:spTree>
+      <p:nvGrpSpPr>
+        <p:cNvPr id="1" name=""/>
+        <p:cNvGrpSpPr/>
+        <p:nvPr/>
+      </p:nvGrpSpPr>
+      <p:grpSpPr>
+        <a:xfrm>
+          <a:off x="0" y="0"/>
+          <a:ext cx="0" cy="0"/>
+          <a:chOff x="0" y="0"/>
+          <a:chExt cx="0" cy="0"/>
+        </a:xfrm>
+      </p:grpSpPr>
+      <p:sp>
+        <p:nvSpPr>
+          <p:cNvPr id="4" name="Rectangle 3">
+            <a:extLst>
+              <a:ext uri="{FF2B5EF4-FFF2-40B4-BE49-F238E27FC236}">
+                <a16:creationId xmlns:a16="http://schemas.microsoft.com/office/drawing/2014/main" id="{4F46E0BB-1F75-B143-DEB4-E3A2BFF86F6A}"/>
+              </a:ext>
+            </a:extLst>
+          </p:cNvPr>
+          <p:cNvSpPr/>
+          <p:nvPr/>
+        </p:nvSpPr>
+        <p:spPr>
+          <a:xfrm>
+            <a:off x="11914908" y="0"/>
+            <a:ext cx="277091" cy="6858000"/>
+          </a:xfrm>
+          <a:prstGeom prst="rect">
+            <a:avLst/>
+          </a:prstGeom>
+          <a:solidFill>
+            <a:schemeClr val="tx2">
+              <a:lumMod val="90000"/>
+              <a:lumOff val="10000"/>
+            </a:schemeClr>
+          </a:solidFill>
+          <a:ln>
+            <a:solidFill>
+              <a:schemeClr val="tx2">
+                <a:lumMod val="90000"/>
+                <a:lumOff val="10000"/>
+              </a:schemeClr>
+            </a:solidFill>
+          </a:ln>
+        </p:spPr>
+        <p:style>
+          <a:lnRef idx="2">
+            <a:schemeClr val="accent1">
+              <a:shade val="15000"/>
+            </a:schemeClr>
+          </a:lnRef>
+          <a:fillRef idx="1">
+            <a:schemeClr val="accent1"/>
+          </a:fillRef>
+          <a:effectRef idx="0">
+            <a:schemeClr val="accent1"/>
+          </a:effectRef>
+          <a:fontRef idx="minor">
+            <a:schemeClr val="lt1"/>
+          </a:fontRef>
+        </p:style>
+        <p:txBody>
+          <a:bodyPr rtlCol="0" anchor="ctr"/>
+          <a:lstStyle/>
+          <a:p>
+            <a:pPr algn="ctr"/>
+            <a:endParaRPr lang="en-US"/>
+          </a:p>
+        </p:txBody>
+      </p:sp>
+      <p:sp>
+        <p:nvSpPr>
+          <p:cNvPr id="5" name="Rectangle 4">
+            <a:extLst>
+              <a:ext uri="{FF2B5EF4-FFF2-40B4-BE49-F238E27FC236}">
+                <a16:creationId xmlns:a16="http://schemas.microsoft.com/office/drawing/2014/main" id="{FA4BA7D2-6425-7504-9ADA-A15DD76E4697}"/>
+              </a:ext>
+            </a:extLst>
+          </p:cNvPr>
+          <p:cNvSpPr/>
+          <p:nvPr/>
+        </p:nvSpPr>
+        <p:spPr>
+          <a:xfrm>
+            <a:off x="11727295" y="0"/>
+            <a:ext cx="125844" cy="6858000"/>
+          </a:xfrm>
+          <a:prstGeom prst="rect">
+            <a:avLst/>
+          </a:prstGeom>
+          <a:solidFill>
+            <a:schemeClr val="tx2">
+              <a:lumMod val="90000"/>
+              <a:lumOff val="10000"/>
+            </a:schemeClr>
+          </a:solidFill>
+          <a:ln>
+            <a:solidFill>
+              <a:schemeClr val="tx2">
+                <a:lumMod val="90000"/>
+                <a:lumOff val="10000"/>
+              </a:schemeClr>
+            </a:solidFill>
+          </a:ln>
+        </p:spPr>
+        <p:style>
+          <a:lnRef idx="2">
+            <a:schemeClr val="accent1">
+              <a:shade val="15000"/>
+            </a:schemeClr>
+          </a:lnRef>
+          <a:fillRef idx="1">
+            <a:schemeClr val="accent1"/>
+          </a:fillRef>
+          <a:effectRef idx="0">
+            <a:schemeClr val="accent1"/>
+          </a:effectRef>
+          <a:fontRef idx="minor">
+            <a:schemeClr val="lt1"/>
+          </a:fontRef>
+        </p:style>
+        <p:txBody>
+          <a:bodyPr rtlCol="0" anchor="ctr"/>
+          <a:lstStyle/>
+          <a:p>
+            <a:pPr algn="ctr"/>
+            <a:endParaRPr lang="en-US"/>
+          </a:p>
+        </p:txBody>
+      </p:sp>
+      <p:sp>
+        <p:nvSpPr>
+          <p:cNvPr id="6" name="Rectangle 5">
+            <a:extLst>
+              <a:ext uri="{FF2B5EF4-FFF2-40B4-BE49-F238E27FC236}">
+                <a16:creationId xmlns:a16="http://schemas.microsoft.com/office/drawing/2014/main" id="{4C0EE8DA-A280-FE80-807C-7240960D0B81}"/>
+              </a:ext>
+            </a:extLst>
+          </p:cNvPr>
+          <p:cNvSpPr/>
+          <p:nvPr/>
+        </p:nvSpPr>
+        <p:spPr>
+          <a:xfrm>
+            <a:off x="11603758" y="1"/>
+            <a:ext cx="61768" cy="6857999"/>
+          </a:xfrm>
+          <a:prstGeom prst="rect">
+            <a:avLst/>
+          </a:prstGeom>
+          <a:solidFill>
+            <a:schemeClr val="tx2">
+              <a:lumMod val="90000"/>
+              <a:lumOff val="10000"/>
+            </a:schemeClr>
+          </a:solidFill>
+          <a:ln>
+            <a:solidFill>
+              <a:schemeClr val="tx2">
+                <a:lumMod val="90000"/>
+                <a:lumOff val="10000"/>
+              </a:schemeClr>
+            </a:solidFill>
+          </a:ln>
+        </p:spPr>
+        <p:style>
+          <a:lnRef idx="2">
+            <a:schemeClr val="accent1">
+              <a:shade val="15000"/>
+            </a:schemeClr>
+          </a:lnRef>
+          <a:fillRef idx="1">
+            <a:schemeClr val="accent1"/>
+          </a:fillRef>
+          <a:effectRef idx="0">
+            <a:schemeClr val="accent1"/>
+          </a:effectRef>
+          <a:fontRef idx="minor">
+            <a:schemeClr val="lt1"/>
+          </a:fontRef>
+        </p:style>
+        <p:txBody>
+          <a:bodyPr rtlCol="0" anchor="ctr"/>
+          <a:lstStyle/>
+          <a:p>
+            <a:pPr algn="ctr"/>
+            <a:endParaRPr lang="en-US"/>
+          </a:p>
+        </p:txBody>
+      </p:sp>
+      <p:sp>
+        <p:nvSpPr>
+          <p:cNvPr id="13" name="TextBox 12">
+            <a:extLst>
+              <a:ext uri="{FF2B5EF4-FFF2-40B4-BE49-F238E27FC236}">
+                <a16:creationId xmlns:a16="http://schemas.microsoft.com/office/drawing/2014/main" id="{8C8E387A-DF3B-57B2-3041-A9CB12074E0B}"/>
+              </a:ext>
+            </a:extLst>
+          </p:cNvPr>
+          <p:cNvSpPr txBox="1"/>
+          <p:nvPr/>
+        </p:nvSpPr>
+        <p:spPr>
+          <a:xfrm>
+            <a:off x="838200" y="1384976"/>
+            <a:ext cx="6698673" cy="646331"/>
+          </a:xfrm>
+          <a:prstGeom prst="rect">
+            <a:avLst/>
+          </a:prstGeom>
+          <a:noFill/>
+        </p:spPr>
+        <p:txBody>
+          <a:bodyPr wrap="square" rtlCol="0">
+            <a:spAutoFit/>
+          </a:bodyPr>
+          <a:lstStyle/>
+          <a:p>
+            <a:pPr marL="457200" indent="-457200">
+              <a:buFont typeface="Arial" panose="020B0604020202020204" pitchFamily="34" charset="0"/>
+              <a:buChar char="•"/>
+            </a:pPr>
+            <a:r>
+              <a:rPr lang="vi-VN" sz="3600" b="1">
+                <a:solidFill>
+                  <a:schemeClr val="tx2">
+                    <a:lumMod val="90000"/>
+                    <a:lumOff val="10000"/>
+                  </a:schemeClr>
+                </a:solidFill>
+                <a:latin typeface="Times New Roman" panose="02020603050405020304" pitchFamily="18" charset="0"/>
+                <a:cs typeface="Times New Roman" panose="02020603050405020304" pitchFamily="18" charset="0"/>
+              </a:rPr>
+              <a:t>Ví dụ</a:t>
+            </a:r>
+          </a:p>
+        </p:txBody>
+      </p:sp>
+      <p:sp>
+        <p:nvSpPr>
+          <p:cNvPr id="14" name="Title 1">
+            <a:extLst>
+              <a:ext uri="{FF2B5EF4-FFF2-40B4-BE49-F238E27FC236}">
+                <a16:creationId xmlns:a16="http://schemas.microsoft.com/office/drawing/2014/main" id="{87BBB7B9-BA87-1270-4303-3A45568B4130}"/>
+              </a:ext>
+            </a:extLst>
+          </p:cNvPr>
+          <p:cNvSpPr>
+            <a:spLocks noGrp="1"/>
+          </p:cNvSpPr>
+          <p:nvPr>
+            <p:ph type="title"/>
+          </p:nvPr>
+        </p:nvSpPr>
+        <p:spPr>
+          <a:xfrm>
+            <a:off x="838200" y="365125"/>
+            <a:ext cx="10515600" cy="1325563"/>
+          </a:xfrm>
+        </p:spPr>
+        <p:txBody>
+          <a:bodyPr>
+            <a:normAutofit/>
+          </a:bodyPr>
+          <a:lstStyle/>
+          <a:p>
+            <a:r>
+              <a:rPr lang="vi-VN" sz="5400" b="1">
+                <a:solidFill>
+                  <a:schemeClr val="tx2">
+                    <a:lumMod val="90000"/>
+                    <a:lumOff val="10000"/>
+                  </a:schemeClr>
+                </a:solidFill>
+                <a:effectLst>
+                  <a:outerShdw blurRad="50800" dist="38100" dir="2700000" algn="tl" rotWithShape="0">
+                    <a:prstClr val="black">
+                      <a:alpha val="40000"/>
+                    </a:prstClr>
+                  </a:outerShdw>
+                </a:effectLst>
+              </a:rPr>
+              <a:t>MÔ HÌNH NAIVE BAYES</a:t>
+            </a:r>
+            <a:endParaRPr lang="en-US" sz="5400" b="1">
+              <a:solidFill>
+                <a:schemeClr val="tx2">
+                  <a:lumMod val="90000"/>
+                  <a:lumOff val="10000"/>
+                </a:schemeClr>
+              </a:solidFill>
+              <a:effectLst>
+                <a:outerShdw blurRad="50800" dist="38100" dir="2700000" algn="tl" rotWithShape="0">
+                  <a:prstClr val="black">
+                    <a:alpha val="40000"/>
+                  </a:prstClr>
+                </a:outerShdw>
+              </a:effectLst>
+            </a:endParaRPr>
+          </a:p>
+        </p:txBody>
+      </p:sp>
+    </p:spTree>
+    <p:extLst>
+      <p:ext uri="{BB962C8B-B14F-4D97-AF65-F5344CB8AC3E}">
+        <p14:creationId xmlns:p14="http://schemas.microsoft.com/office/powerpoint/2010/main" val="94676335"/>
+      </p:ext>
+    </p:extLst>
+  </p:cSld>
+  <p:clrMapOvr>
+    <a:masterClrMapping/>
+  </p:clrMapOvr>
+</p:sld>
+</file>
+
+<file path=ppt/slides/slide19.xml><?xml version="1.0" encoding="utf-8"?>
 <p:sld xmlns:a="http://schemas.openxmlformats.org/drawingml/2006/main" xmlns:r="http://schemas.openxmlformats.org/officeDocument/2006/relationships" xmlns:p="http://schemas.openxmlformats.org/presentationml/2006/main">
   <p:cSld>
     <p:spTree>
@@ -7324,7 +8052,446 @@
 </p:sld>
 </file>
 
-<file path=ppt/slides/slide18.xml><?xml version="1.0" encoding="utf-8"?>
+<file path=ppt/slides/slide2.xml><?xml version="1.0" encoding="utf-8"?>
+<p:sld xmlns:a="http://schemas.openxmlformats.org/drawingml/2006/main" xmlns:r="http://schemas.openxmlformats.org/officeDocument/2006/relationships" xmlns:p="http://schemas.openxmlformats.org/presentationml/2006/main">
+  <p:cSld>
+    <p:spTree>
+      <p:nvGrpSpPr>
+        <p:cNvPr id="1" name=""/>
+        <p:cNvGrpSpPr/>
+        <p:nvPr/>
+      </p:nvGrpSpPr>
+      <p:grpSpPr>
+        <a:xfrm>
+          <a:off x="0" y="0"/>
+          <a:ext cx="0" cy="0"/>
+          <a:chOff x="0" y="0"/>
+          <a:chExt cx="0" cy="0"/>
+        </a:xfrm>
+      </p:grpSpPr>
+      <p:sp>
+        <p:nvSpPr>
+          <p:cNvPr id="4" name="TextBox 3">
+            <a:extLst>
+              <a:ext uri="{FF2B5EF4-FFF2-40B4-BE49-F238E27FC236}">
+                <a16:creationId xmlns:a16="http://schemas.microsoft.com/office/drawing/2014/main" id="{A1EBF417-5614-98D3-538B-B3E23C6768B2}"/>
+              </a:ext>
+            </a:extLst>
+          </p:cNvPr>
+          <p:cNvSpPr txBox="1"/>
+          <p:nvPr/>
+        </p:nvSpPr>
+        <p:spPr>
+          <a:xfrm>
+            <a:off x="2015837" y="-43943"/>
+            <a:ext cx="8160327" cy="461665"/>
+          </a:xfrm>
+          <a:prstGeom prst="rect">
+            <a:avLst/>
+          </a:prstGeom>
+          <a:noFill/>
+        </p:spPr>
+        <p:txBody>
+          <a:bodyPr wrap="square" rtlCol="0">
+            <a:spAutoFit/>
+          </a:bodyPr>
+          <a:lstStyle/>
+          <a:p>
+            <a:pPr algn="ctr"/>
+            <a:r>
+              <a:rPr lang="vi-VN" sz="2400" b="1">
+                <a:solidFill>
+                  <a:schemeClr val="tx2">
+                    <a:lumMod val="90000"/>
+                    <a:lumOff val="10000"/>
+                  </a:schemeClr>
+                </a:solidFill>
+                <a:latin typeface="+mj-lt"/>
+              </a:rPr>
+              <a:t>TRƯỜNG ĐẠI HỌC KỸ THUẬT CÔNG NGHỆ CẦN THƠ</a:t>
+            </a:r>
+            <a:endParaRPr lang="en-US" sz="2400" b="1">
+              <a:solidFill>
+                <a:schemeClr val="tx2">
+                  <a:lumMod val="90000"/>
+                  <a:lumOff val="10000"/>
+                </a:schemeClr>
+              </a:solidFill>
+              <a:latin typeface="+mj-lt"/>
+            </a:endParaRPr>
+          </a:p>
+        </p:txBody>
+      </p:sp>
+      <p:sp>
+        <p:nvSpPr>
+          <p:cNvPr id="5" name="TextBox 4">
+            <a:extLst>
+              <a:ext uri="{FF2B5EF4-FFF2-40B4-BE49-F238E27FC236}">
+                <a16:creationId xmlns:a16="http://schemas.microsoft.com/office/drawing/2014/main" id="{5013C41D-01C4-C85E-CD11-9CF2153050B9}"/>
+              </a:ext>
+            </a:extLst>
+          </p:cNvPr>
+          <p:cNvSpPr txBox="1"/>
+          <p:nvPr/>
+        </p:nvSpPr>
+        <p:spPr>
+          <a:xfrm>
+            <a:off x="4329546" y="365298"/>
+            <a:ext cx="3532909" cy="369332"/>
+          </a:xfrm>
+          <a:prstGeom prst="rect">
+            <a:avLst/>
+          </a:prstGeom>
+          <a:noFill/>
+        </p:spPr>
+        <p:txBody>
+          <a:bodyPr wrap="square" rtlCol="0">
+            <a:spAutoFit/>
+          </a:bodyPr>
+          <a:lstStyle/>
+          <a:p>
+            <a:pPr algn="ctr"/>
+            <a:r>
+              <a:rPr lang="vi-VN">
+                <a:solidFill>
+                  <a:schemeClr val="tx2">
+                    <a:lumMod val="90000"/>
+                    <a:lumOff val="10000"/>
+                  </a:schemeClr>
+                </a:solidFill>
+                <a:latin typeface="+mj-lt"/>
+              </a:rPr>
+              <a:t>KHOA CÔNG NGHỆ THÔNG TIN</a:t>
+            </a:r>
+            <a:endParaRPr lang="en-US">
+              <a:solidFill>
+                <a:schemeClr val="tx2">
+                  <a:lumMod val="90000"/>
+                  <a:lumOff val="10000"/>
+                </a:schemeClr>
+              </a:solidFill>
+              <a:latin typeface="+mj-lt"/>
+            </a:endParaRPr>
+          </a:p>
+        </p:txBody>
+      </p:sp>
+      <p:sp>
+        <p:nvSpPr>
+          <p:cNvPr id="6" name="TextBox 5">
+            <a:extLst>
+              <a:ext uri="{FF2B5EF4-FFF2-40B4-BE49-F238E27FC236}">
+                <a16:creationId xmlns:a16="http://schemas.microsoft.com/office/drawing/2014/main" id="{048C30A7-03F7-EA34-2805-CFD48EC21AFE}"/>
+              </a:ext>
+            </a:extLst>
+          </p:cNvPr>
+          <p:cNvSpPr txBox="1"/>
+          <p:nvPr/>
+        </p:nvSpPr>
+        <p:spPr>
+          <a:xfrm>
+            <a:off x="3181928" y="734630"/>
+            <a:ext cx="5828145" cy="400110"/>
+          </a:xfrm>
+          <a:prstGeom prst="rect">
+            <a:avLst/>
+          </a:prstGeom>
+          <a:noFill/>
+        </p:spPr>
+        <p:txBody>
+          <a:bodyPr wrap="square" rtlCol="0">
+            <a:spAutoFit/>
+          </a:bodyPr>
+          <a:lstStyle/>
+          <a:p>
+            <a:pPr algn="ctr"/>
+            <a:r>
+              <a:rPr lang="vi-VN" sz="2000" b="1">
+                <a:solidFill>
+                  <a:schemeClr val="tx2">
+                    <a:lumMod val="90000"/>
+                    <a:lumOff val="10000"/>
+                  </a:schemeClr>
+                </a:solidFill>
+                <a:latin typeface="+mj-lt"/>
+              </a:rPr>
+              <a:t>CHUYÊN NGÀNH KHOA HỌC MÁY TÍNH 2021</a:t>
+            </a:r>
+            <a:endParaRPr lang="en-US" sz="2000" b="1">
+              <a:solidFill>
+                <a:schemeClr val="tx2">
+                  <a:lumMod val="90000"/>
+                  <a:lumOff val="10000"/>
+                </a:schemeClr>
+              </a:solidFill>
+              <a:latin typeface="+mj-lt"/>
+            </a:endParaRPr>
+          </a:p>
+        </p:txBody>
+      </p:sp>
+      <p:pic>
+        <p:nvPicPr>
+          <p:cNvPr id="8" name="Picture 7" descr="A white circle with blue text and a book and a symbol&#10;&#10;Description automatically generated">
+            <a:extLst>
+              <a:ext uri="{FF2B5EF4-FFF2-40B4-BE49-F238E27FC236}">
+                <a16:creationId xmlns:a16="http://schemas.microsoft.com/office/drawing/2014/main" id="{A9818A37-02CA-519C-A706-C1811D4884FF}"/>
+              </a:ext>
+            </a:extLst>
+          </p:cNvPr>
+          <p:cNvPicPr>
+            <a:picLocks noChangeAspect="1"/>
+          </p:cNvPicPr>
+          <p:nvPr/>
+        </p:nvPicPr>
+        <p:blipFill>
+          <a:blip r:embed="rId2">
+            <a:extLst>
+              <a:ext uri="{28A0092B-C50C-407E-A947-70E740481C1C}">
+                <a14:useLocalDpi xmlns:a14="http://schemas.microsoft.com/office/drawing/2010/main" val="0"/>
+              </a:ext>
+            </a:extLst>
+          </a:blip>
+          <a:stretch>
+            <a:fillRect/>
+          </a:stretch>
+        </p:blipFill>
+        <p:spPr>
+          <a:xfrm>
+            <a:off x="5345546" y="1275705"/>
+            <a:ext cx="1500909" cy="1500909"/>
+          </a:xfrm>
+          <a:prstGeom prst="rect">
+            <a:avLst/>
+          </a:prstGeom>
+          <a:ln>
+            <a:noFill/>
+          </a:ln>
+          <a:effectLst>
+            <a:outerShdw blurRad="292100" dist="139700" dir="2700000" algn="tl" rotWithShape="0">
+              <a:srgbClr val="333333">
+                <a:alpha val="65000"/>
+              </a:srgbClr>
+            </a:outerShdw>
+          </a:effectLst>
+        </p:spPr>
+      </p:pic>
+      <p:sp>
+        <p:nvSpPr>
+          <p:cNvPr id="9" name="TextBox 8">
+            <a:extLst>
+              <a:ext uri="{FF2B5EF4-FFF2-40B4-BE49-F238E27FC236}">
+                <a16:creationId xmlns:a16="http://schemas.microsoft.com/office/drawing/2014/main" id="{9505F6C9-55EA-E4E3-709A-0ACF1AD56B97}"/>
+              </a:ext>
+            </a:extLst>
+          </p:cNvPr>
+          <p:cNvSpPr txBox="1"/>
+          <p:nvPr/>
+        </p:nvSpPr>
+        <p:spPr>
+          <a:xfrm>
+            <a:off x="5152157" y="2917579"/>
+            <a:ext cx="1887687" cy="584775"/>
+          </a:xfrm>
+          <a:prstGeom prst="rect">
+            <a:avLst/>
+          </a:prstGeom>
+          <a:noFill/>
+        </p:spPr>
+        <p:txBody>
+          <a:bodyPr wrap="square" rtlCol="0">
+            <a:spAutoFit/>
+          </a:bodyPr>
+          <a:lstStyle/>
+          <a:p>
+            <a:pPr algn="ctr"/>
+            <a:r>
+              <a:rPr lang="vi-VN" sz="3200" b="1">
+                <a:solidFill>
+                  <a:schemeClr val="tx2">
+                    <a:lumMod val="90000"/>
+                    <a:lumOff val="10000"/>
+                  </a:schemeClr>
+                </a:solidFill>
+                <a:latin typeface="+mj-lt"/>
+              </a:rPr>
+              <a:t>ĐỒ ÁN 2</a:t>
+            </a:r>
+            <a:endParaRPr lang="en-US" sz="3200" b="1">
+              <a:solidFill>
+                <a:schemeClr val="tx2">
+                  <a:lumMod val="90000"/>
+                  <a:lumOff val="10000"/>
+                </a:schemeClr>
+              </a:solidFill>
+              <a:latin typeface="+mj-lt"/>
+            </a:endParaRPr>
+          </a:p>
+        </p:txBody>
+      </p:sp>
+      <p:sp>
+        <p:nvSpPr>
+          <p:cNvPr id="10" name="TextBox 9">
+            <a:extLst>
+              <a:ext uri="{FF2B5EF4-FFF2-40B4-BE49-F238E27FC236}">
+                <a16:creationId xmlns:a16="http://schemas.microsoft.com/office/drawing/2014/main" id="{249C0E92-C095-C094-A4C2-FF900780CC76}"/>
+              </a:ext>
+            </a:extLst>
+          </p:cNvPr>
+          <p:cNvSpPr txBox="1"/>
+          <p:nvPr/>
+        </p:nvSpPr>
+        <p:spPr>
+          <a:xfrm>
+            <a:off x="-161636" y="3373955"/>
+            <a:ext cx="12515273" cy="1200329"/>
+          </a:xfrm>
+          <a:prstGeom prst="rect">
+            <a:avLst/>
+          </a:prstGeom>
+          <a:noFill/>
+        </p:spPr>
+        <p:txBody>
+          <a:bodyPr wrap="square" rtlCol="0">
+            <a:spAutoFit/>
+          </a:bodyPr>
+          <a:lstStyle/>
+          <a:p>
+            <a:pPr algn="ctr"/>
+            <a:r>
+              <a:rPr lang="vi-VN" sz="3600" b="1">
+                <a:solidFill>
+                  <a:srgbClr val="FF0000"/>
+                </a:solidFill>
+                <a:effectLst>
+                  <a:outerShdw blurRad="50800" dist="38100" dir="2700000" algn="tl" rotWithShape="0">
+                    <a:prstClr val="black">
+                      <a:alpha val="40000"/>
+                    </a:prstClr>
+                  </a:outerShdw>
+                </a:effectLst>
+                <a:latin typeface="+mj-lt"/>
+              </a:rPr>
+              <a:t>XÂY DỰNG HỆ THỐNG PHÂN LOẠI CÁC VĂN BẢN THEO CHỦ ĐỀ</a:t>
+            </a:r>
+            <a:endParaRPr lang="en-US" sz="3600" b="1">
+              <a:solidFill>
+                <a:srgbClr val="FF0000"/>
+              </a:solidFill>
+              <a:effectLst>
+                <a:outerShdw blurRad="50800" dist="38100" dir="2700000" algn="tl" rotWithShape="0">
+                  <a:prstClr val="black">
+                    <a:alpha val="40000"/>
+                  </a:prstClr>
+                </a:outerShdw>
+              </a:effectLst>
+              <a:latin typeface="+mj-lt"/>
+            </a:endParaRPr>
+          </a:p>
+        </p:txBody>
+      </p:sp>
+      <p:sp>
+        <p:nvSpPr>
+          <p:cNvPr id="11" name="TextBox 10">
+            <a:extLst>
+              <a:ext uri="{FF2B5EF4-FFF2-40B4-BE49-F238E27FC236}">
+                <a16:creationId xmlns:a16="http://schemas.microsoft.com/office/drawing/2014/main" id="{F9285FF3-BCD5-6DFD-B792-E7389C3531FC}"/>
+              </a:ext>
+            </a:extLst>
+          </p:cNvPr>
+          <p:cNvSpPr txBox="1"/>
+          <p:nvPr/>
+        </p:nvSpPr>
+        <p:spPr>
+          <a:xfrm>
+            <a:off x="1581725" y="5868059"/>
+            <a:ext cx="9028550" cy="830997"/>
+          </a:xfrm>
+          <a:prstGeom prst="rect">
+            <a:avLst/>
+          </a:prstGeom>
+          <a:noFill/>
+        </p:spPr>
+        <p:txBody>
+          <a:bodyPr wrap="square" rtlCol="0">
+            <a:spAutoFit/>
+          </a:bodyPr>
+          <a:lstStyle/>
+          <a:p>
+            <a:r>
+              <a:rPr lang="vi-VN" sz="2400">
+                <a:solidFill>
+                  <a:schemeClr val="tx2">
+                    <a:lumMod val="90000"/>
+                    <a:lumOff val="10000"/>
+                  </a:schemeClr>
+                </a:solidFill>
+                <a:latin typeface="+mj-lt"/>
+              </a:rPr>
+              <a:t>Giảng viên hướng dẫn: </a:t>
+            </a:r>
+            <a:r>
+              <a:rPr lang="vi-VN" sz="2400" b="1">
+                <a:solidFill>
+                  <a:schemeClr val="tx2">
+                    <a:lumMod val="90000"/>
+                    <a:lumOff val="10000"/>
+                  </a:schemeClr>
+                </a:solidFill>
+                <a:latin typeface="+mj-lt"/>
+              </a:rPr>
+              <a:t>Ths. NGUYỄN NHỰT QUỲNH</a:t>
+            </a:r>
+          </a:p>
+          <a:p>
+            <a:r>
+              <a:rPr lang="vi-VN" sz="2400">
+                <a:solidFill>
+                  <a:schemeClr val="tx2">
+                    <a:lumMod val="90000"/>
+                    <a:lumOff val="10000"/>
+                  </a:schemeClr>
+                </a:solidFill>
+                <a:latin typeface="+mj-lt"/>
+              </a:rPr>
+              <a:t>Sinh viên thực hiện: </a:t>
+            </a:r>
+            <a:r>
+              <a:rPr lang="vi-VN" sz="2400" b="1">
+                <a:solidFill>
+                  <a:schemeClr val="tx2">
+                    <a:lumMod val="90000"/>
+                    <a:lumOff val="10000"/>
+                  </a:schemeClr>
+                </a:solidFill>
+                <a:latin typeface="+mj-lt"/>
+              </a:rPr>
+              <a:t>Lê Phước Hữu 2100450, Võ Văn Thạch 2101389</a:t>
+            </a:r>
+            <a:endParaRPr lang="en-US" sz="2400" b="1">
+              <a:solidFill>
+                <a:schemeClr val="tx2">
+                  <a:lumMod val="90000"/>
+                  <a:lumOff val="10000"/>
+                </a:schemeClr>
+              </a:solidFill>
+              <a:latin typeface="+mj-lt"/>
+            </a:endParaRPr>
+          </a:p>
+        </p:txBody>
+      </p:sp>
+    </p:spTree>
+    <p:extLst>
+      <p:ext uri="{BB962C8B-B14F-4D97-AF65-F5344CB8AC3E}">
+        <p14:creationId xmlns:p14="http://schemas.microsoft.com/office/powerpoint/2010/main" val="3412621734"/>
+      </p:ext>
+    </p:extLst>
+  </p:cSld>
+  <p:clrMapOvr>
+    <a:masterClrMapping/>
+  </p:clrMapOvr>
+</p:sld>
+</file>
+
+<file path=ppt/slides/slide20.xml><?xml version="1.0" encoding="utf-8"?>
 <p:sld xmlns:a="http://schemas.openxmlformats.org/drawingml/2006/main" xmlns:r="http://schemas.openxmlformats.org/officeDocument/2006/relationships" xmlns:p="http://schemas.openxmlformats.org/presentationml/2006/main">
   <p:cSld>
     <p:spTree>
@@ -7648,7 +8815,7 @@
           <p:nvPr>
             <p:extLst>
               <p:ext uri="{D42A27DB-BD31-4B8C-83A1-F6EECF244321}">
-                <p14:modId xmlns:p14="http://schemas.microsoft.com/office/powerpoint/2010/main" val="3700124814"/>
+                <p14:modId xmlns:p14="http://schemas.microsoft.com/office/powerpoint/2010/main" val="3147012956"/>
               </p:ext>
             </p:extLst>
           </p:nvPr>
@@ -7740,7 +8907,7 @@
                           </a:solidFill>
                           <a:latin typeface="+mj-lt"/>
                         </a:rPr>
-                        <a:t>Dễ thực hiện và nhanh chónh</a:t>
+                        <a:t>Dễ thực hiện và nhanh chóng</a:t>
                       </a:r>
                       <a:endParaRPr lang="en-US" sz="2400">
                         <a:solidFill>
@@ -7971,7 +9138,7 @@
                           </a:solidFill>
                           <a:latin typeface="+mj-lt"/>
                         </a:rPr>
-                        <a:t>Dễ ảnh hưởng bởi dữ liệu nhiêux</a:t>
+                        <a:t>Dễ ảnh hưởng bởi dữ liệu nhiễu</a:t>
                       </a:r>
                       <a:endParaRPr lang="en-US" sz="2400">
                         <a:solidFill>
@@ -8009,7 +9176,7 @@
 </p:sld>
 </file>
 
-<file path=ppt/slides/slide19.xml><?xml version="1.0" encoding="utf-8"?>
+<file path=ppt/slides/slide21.xml><?xml version="1.0" encoding="utf-8"?>
 <p:sld xmlns:a="http://schemas.openxmlformats.org/drawingml/2006/main" xmlns:r="http://schemas.openxmlformats.org/officeDocument/2006/relationships" xmlns:p="http://schemas.openxmlformats.org/presentationml/2006/main">
   <p:cSld>
     <p:spTree>
@@ -8332,14 +9499,14 @@
           <p:nvPr>
             <p:extLst>
               <p:ext uri="{D42A27DB-BD31-4B8C-83A1-F6EECF244321}">
-                <p14:modId xmlns:p14="http://schemas.microsoft.com/office/powerpoint/2010/main" val="3438672892"/>
+                <p14:modId xmlns:p14="http://schemas.microsoft.com/office/powerpoint/2010/main" val="1355924265"/>
               </p:ext>
             </p:extLst>
           </p:nvPr>
         </p:nvGraphicFramePr>
         <p:xfrm>
           <a:off x="926208" y="2113638"/>
-          <a:ext cx="10427592" cy="3783384"/>
+          <a:ext cx="10427592" cy="3537354"/>
         </p:xfrm>
         <a:graphic>
           <a:graphicData uri="http://schemas.openxmlformats.org/drawingml/2006/table">
@@ -8356,7 +9523,7 @@
                   </a:extLst>
                 </a:gridCol>
               </a:tblGrid>
-              <a:tr h="3783384">
+              <a:tr h="3537354">
                 <a:tc>
                   <a:txBody>
                     <a:bodyPr/>
@@ -8888,55 +10055,6 @@
                           <a:latin typeface="Consolas" panose="020B0609020204030204" pitchFamily="49" charset="0"/>
                         </a:rPr>
                         <a:t> pickle</a:t>
-                      </a:r>
-                      <a:br>
-                        <a:rPr lang="en-US" sz="1800" b="0" i="0" u="none" strike="noStrike">
-                          <a:solidFill>
-                            <a:srgbClr val="7EA2B4"/>
-                          </a:solidFill>
-                          <a:effectLst/>
-                          <a:latin typeface="Consolas" panose="020B0609020204030204" pitchFamily="49" charset="0"/>
-                        </a:rPr>
-                      </a:br>
-                      <a:r>
-                        <a:rPr lang="en-US" sz="1800" b="0" i="0" u="none" strike="noStrike">
-                          <a:solidFill>
-                            <a:srgbClr val="6B6BB8"/>
-                          </a:solidFill>
-                          <a:effectLst/>
-                          <a:latin typeface="Consolas" panose="020B0609020204030204" pitchFamily="49" charset="0"/>
-                        </a:rPr>
-                        <a:t>from</a:t>
-                      </a:r>
-                      <a:r>
-                        <a:rPr lang="en-US" sz="1800" b="0" i="0" u="none" strike="noStrike">
-                          <a:solidFill>
-                            <a:srgbClr val="7EA2B4"/>
-                          </a:solidFill>
-                          <a:effectLst/>
-                          <a:latin typeface="Consolas" panose="020B0609020204030204" pitchFamily="49" charset="0"/>
-                        </a:rPr>
-                        <a:t> Create_Dataset </a:t>
-                      </a:r>
-                      <a:r>
-                        <a:rPr lang="en-US" sz="1800" b="0" i="0" u="none" strike="noStrike">
-                          <a:solidFill>
-                            <a:srgbClr val="6B6BB8"/>
-                          </a:solidFill>
-                          <a:effectLst/>
-                          <a:latin typeface="Consolas" panose="020B0609020204030204" pitchFamily="49" charset="0"/>
-                        </a:rPr>
-                        <a:t>import</a:t>
-                      </a:r>
-                      <a:r>
-                        <a:rPr lang="en-US" sz="1800" b="0" i="0" u="none" strike="noStrike">
-                          <a:solidFill>
-                            <a:srgbClr val="7EA2B4"/>
-                          </a:solidFill>
-                          <a:effectLst/>
-                          <a:latin typeface="Consolas" panose="020B0609020204030204" pitchFamily="49" charset="0"/>
-                        </a:rPr>
-                        <a:t> create_data_set</a:t>
                       </a:r>
                       <a:endParaRPr lang="en-US" sz="3600">
                         <a:effectLst/>
@@ -8968,420 +10086,7 @@
 </p:sld>
 </file>
 
-<file path=ppt/slides/slide2.xml><?xml version="1.0" encoding="utf-8"?>
-<p:sld xmlns:a="http://schemas.openxmlformats.org/drawingml/2006/main" xmlns:r="http://schemas.openxmlformats.org/officeDocument/2006/relationships" xmlns:p="http://schemas.openxmlformats.org/presentationml/2006/main">
-  <p:cSld>
-    <p:spTree>
-      <p:nvGrpSpPr>
-        <p:cNvPr id="1" name=""/>
-        <p:cNvGrpSpPr/>
-        <p:nvPr/>
-      </p:nvGrpSpPr>
-      <p:grpSpPr>
-        <a:xfrm>
-          <a:off x="0" y="0"/>
-          <a:ext cx="0" cy="0"/>
-          <a:chOff x="0" y="0"/>
-          <a:chExt cx="0" cy="0"/>
-        </a:xfrm>
-      </p:grpSpPr>
-      <p:sp>
-        <p:nvSpPr>
-          <p:cNvPr id="2" name="Title 1">
-            <a:extLst>
-              <a:ext uri="{FF2B5EF4-FFF2-40B4-BE49-F238E27FC236}">
-                <a16:creationId xmlns:a16="http://schemas.microsoft.com/office/drawing/2014/main" id="{AA675B46-CDB0-B7C0-37A7-8B0AC0F16C62}"/>
-              </a:ext>
-            </a:extLst>
-          </p:cNvPr>
-          <p:cNvSpPr>
-            <a:spLocks noGrp="1"/>
-          </p:cNvSpPr>
-          <p:nvPr>
-            <p:ph type="title"/>
-          </p:nvPr>
-        </p:nvSpPr>
-        <p:spPr/>
-        <p:txBody>
-          <a:bodyPr>
-            <a:normAutofit/>
-          </a:bodyPr>
-          <a:lstStyle/>
-          <a:p>
-            <a:r>
-              <a:rPr lang="vi-VN" sz="5400" b="1">
-                <a:solidFill>
-                  <a:schemeClr val="tx2">
-                    <a:lumMod val="90000"/>
-                    <a:lumOff val="10000"/>
-                  </a:schemeClr>
-                </a:solidFill>
-                <a:effectLst>
-                  <a:outerShdw blurRad="50800" dist="38100" dir="2700000" algn="tl" rotWithShape="0">
-                    <a:prstClr val="black">
-                      <a:alpha val="40000"/>
-                    </a:prstClr>
-                  </a:outerShdw>
-                </a:effectLst>
-              </a:rPr>
-              <a:t>NỘI DUNG BÁO CÁO</a:t>
-            </a:r>
-            <a:endParaRPr lang="en-US" sz="5400" b="1">
-              <a:solidFill>
-                <a:schemeClr val="tx2">
-                  <a:lumMod val="90000"/>
-                  <a:lumOff val="10000"/>
-                </a:schemeClr>
-              </a:solidFill>
-              <a:effectLst>
-                <a:outerShdw blurRad="50800" dist="38100" dir="2700000" algn="tl" rotWithShape="0">
-                  <a:prstClr val="black">
-                    <a:alpha val="40000"/>
-                  </a:prstClr>
-                </a:outerShdw>
-              </a:effectLst>
-            </a:endParaRPr>
-          </a:p>
-        </p:txBody>
-      </p:sp>
-      <p:sp>
-        <p:nvSpPr>
-          <p:cNvPr id="3" name="Content Placeholder 2">
-            <a:extLst>
-              <a:ext uri="{FF2B5EF4-FFF2-40B4-BE49-F238E27FC236}">
-                <a16:creationId xmlns:a16="http://schemas.microsoft.com/office/drawing/2014/main" id="{E2A56599-DFFC-6949-8919-40C6A1F9CBE4}"/>
-              </a:ext>
-            </a:extLst>
-          </p:cNvPr>
-          <p:cNvSpPr>
-            <a:spLocks noGrp="1"/>
-          </p:cNvSpPr>
-          <p:nvPr>
-            <p:ph idx="1"/>
-          </p:nvPr>
-        </p:nvSpPr>
-        <p:spPr>
-          <a:xfrm>
-            <a:off x="890443" y="2111952"/>
-            <a:ext cx="7058891" cy="3706958"/>
-          </a:xfrm>
-        </p:spPr>
-        <p:txBody>
-          <a:bodyPr>
-            <a:normAutofit/>
-          </a:bodyPr>
-          <a:lstStyle/>
-          <a:p>
-            <a:pPr marL="514350" indent="-514350">
-              <a:lnSpc>
-                <a:spcPct val="110000"/>
-              </a:lnSpc>
-              <a:buFont typeface="+mj-lt"/>
-              <a:buAutoNum type="arabicPeriod"/>
-            </a:pPr>
-            <a:r>
-              <a:rPr lang="vi-VN" sz="3600" b="1">
-                <a:solidFill>
-                  <a:schemeClr val="tx2">
-                    <a:lumMod val="90000"/>
-                    <a:lumOff val="10000"/>
-                  </a:schemeClr>
-                </a:solidFill>
-                <a:latin typeface="+mj-lt"/>
-              </a:rPr>
-              <a:t>GIỚI THIỆU TỔNG QUAN</a:t>
-            </a:r>
-          </a:p>
-          <a:p>
-            <a:pPr marL="514350" indent="-514350">
-              <a:lnSpc>
-                <a:spcPct val="110000"/>
-              </a:lnSpc>
-              <a:buFont typeface="+mj-lt"/>
-              <a:buAutoNum type="arabicPeriod"/>
-            </a:pPr>
-            <a:r>
-              <a:rPr lang="vi-VN" sz="3600" b="1">
-                <a:solidFill>
-                  <a:schemeClr val="tx2">
-                    <a:lumMod val="90000"/>
-                    <a:lumOff val="10000"/>
-                  </a:schemeClr>
-                </a:solidFill>
-                <a:latin typeface="+mj-lt"/>
-              </a:rPr>
-              <a:t>CƠ SỞ LÝ THUYẾT</a:t>
-            </a:r>
-          </a:p>
-          <a:p>
-            <a:pPr marL="514350" indent="-514350">
-              <a:lnSpc>
-                <a:spcPct val="110000"/>
-              </a:lnSpc>
-              <a:buFont typeface="+mj-lt"/>
-              <a:buAutoNum type="arabicPeriod"/>
-            </a:pPr>
-            <a:r>
-              <a:rPr lang="vi-VN" sz="3600" b="1">
-                <a:solidFill>
-                  <a:schemeClr val="tx2">
-                    <a:lumMod val="90000"/>
-                    <a:lumOff val="10000"/>
-                  </a:schemeClr>
-                </a:solidFill>
-                <a:latin typeface="+mj-lt"/>
-              </a:rPr>
-              <a:t>PHƯƠNG PHÁP THỰC HIỆN</a:t>
-            </a:r>
-          </a:p>
-          <a:p>
-            <a:pPr marL="514350" indent="-514350">
-              <a:lnSpc>
-                <a:spcPct val="110000"/>
-              </a:lnSpc>
-              <a:buFont typeface="+mj-lt"/>
-              <a:buAutoNum type="arabicPeriod"/>
-            </a:pPr>
-            <a:r>
-              <a:rPr lang="vi-VN" sz="3600" b="1">
-                <a:solidFill>
-                  <a:schemeClr val="tx2">
-                    <a:lumMod val="90000"/>
-                    <a:lumOff val="10000"/>
-                  </a:schemeClr>
-                </a:solidFill>
-                <a:latin typeface="+mj-lt"/>
-              </a:rPr>
-              <a:t>KẾT QUẢ THỰC NGHIỆM</a:t>
-            </a:r>
-          </a:p>
-          <a:p>
-            <a:pPr marL="514350" indent="-514350">
-              <a:lnSpc>
-                <a:spcPct val="110000"/>
-              </a:lnSpc>
-              <a:buFont typeface="+mj-lt"/>
-              <a:buAutoNum type="arabicPeriod"/>
-            </a:pPr>
-            <a:r>
-              <a:rPr lang="vi-VN" sz="3600" b="1">
-                <a:solidFill>
-                  <a:schemeClr val="tx2">
-                    <a:lumMod val="90000"/>
-                    <a:lumOff val="10000"/>
-                  </a:schemeClr>
-                </a:solidFill>
-                <a:latin typeface="+mj-lt"/>
-              </a:rPr>
-              <a:t>KẾT LUẬN</a:t>
-            </a:r>
-          </a:p>
-          <a:p>
-            <a:endParaRPr lang="en-US">
-              <a:solidFill>
-                <a:schemeClr val="tx2">
-                  <a:lumMod val="90000"/>
-                  <a:lumOff val="10000"/>
-                </a:schemeClr>
-              </a:solidFill>
-            </a:endParaRPr>
-          </a:p>
-        </p:txBody>
-      </p:sp>
-      <p:sp>
-        <p:nvSpPr>
-          <p:cNvPr id="4" name="Rectangle 3">
-            <a:extLst>
-              <a:ext uri="{FF2B5EF4-FFF2-40B4-BE49-F238E27FC236}">
-                <a16:creationId xmlns:a16="http://schemas.microsoft.com/office/drawing/2014/main" id="{4F46E0BB-1F75-B143-DEB4-E3A2BFF86F6A}"/>
-              </a:ext>
-            </a:extLst>
-          </p:cNvPr>
-          <p:cNvSpPr/>
-          <p:nvPr/>
-        </p:nvSpPr>
-        <p:spPr>
-          <a:xfrm>
-            <a:off x="11914908" y="0"/>
-            <a:ext cx="277091" cy="6858000"/>
-          </a:xfrm>
-          <a:prstGeom prst="rect">
-            <a:avLst/>
-          </a:prstGeom>
-          <a:solidFill>
-            <a:schemeClr val="tx2">
-              <a:lumMod val="90000"/>
-              <a:lumOff val="10000"/>
-            </a:schemeClr>
-          </a:solidFill>
-          <a:ln>
-            <a:solidFill>
-              <a:schemeClr val="tx2">
-                <a:lumMod val="90000"/>
-                <a:lumOff val="10000"/>
-              </a:schemeClr>
-            </a:solidFill>
-          </a:ln>
-        </p:spPr>
-        <p:style>
-          <a:lnRef idx="2">
-            <a:schemeClr val="accent1">
-              <a:shade val="15000"/>
-            </a:schemeClr>
-          </a:lnRef>
-          <a:fillRef idx="1">
-            <a:schemeClr val="accent1"/>
-          </a:fillRef>
-          <a:effectRef idx="0">
-            <a:schemeClr val="accent1"/>
-          </a:effectRef>
-          <a:fontRef idx="minor">
-            <a:schemeClr val="lt1"/>
-          </a:fontRef>
-        </p:style>
-        <p:txBody>
-          <a:bodyPr rtlCol="0" anchor="ctr"/>
-          <a:lstStyle/>
-          <a:p>
-            <a:pPr algn="ctr"/>
-            <a:endParaRPr lang="en-US"/>
-          </a:p>
-        </p:txBody>
-      </p:sp>
-      <p:sp>
-        <p:nvSpPr>
-          <p:cNvPr id="5" name="Rectangle 4">
-            <a:extLst>
-              <a:ext uri="{FF2B5EF4-FFF2-40B4-BE49-F238E27FC236}">
-                <a16:creationId xmlns:a16="http://schemas.microsoft.com/office/drawing/2014/main" id="{FA4BA7D2-6425-7504-9ADA-A15DD76E4697}"/>
-              </a:ext>
-            </a:extLst>
-          </p:cNvPr>
-          <p:cNvSpPr/>
-          <p:nvPr/>
-        </p:nvSpPr>
-        <p:spPr>
-          <a:xfrm>
-            <a:off x="11727295" y="0"/>
-            <a:ext cx="125844" cy="6858000"/>
-          </a:xfrm>
-          <a:prstGeom prst="rect">
-            <a:avLst/>
-          </a:prstGeom>
-          <a:solidFill>
-            <a:schemeClr val="tx2">
-              <a:lumMod val="90000"/>
-              <a:lumOff val="10000"/>
-            </a:schemeClr>
-          </a:solidFill>
-          <a:ln>
-            <a:solidFill>
-              <a:schemeClr val="tx2">
-                <a:lumMod val="90000"/>
-                <a:lumOff val="10000"/>
-              </a:schemeClr>
-            </a:solidFill>
-          </a:ln>
-        </p:spPr>
-        <p:style>
-          <a:lnRef idx="2">
-            <a:schemeClr val="accent1">
-              <a:shade val="15000"/>
-            </a:schemeClr>
-          </a:lnRef>
-          <a:fillRef idx="1">
-            <a:schemeClr val="accent1"/>
-          </a:fillRef>
-          <a:effectRef idx="0">
-            <a:schemeClr val="accent1"/>
-          </a:effectRef>
-          <a:fontRef idx="minor">
-            <a:schemeClr val="lt1"/>
-          </a:fontRef>
-        </p:style>
-        <p:txBody>
-          <a:bodyPr rtlCol="0" anchor="ctr"/>
-          <a:lstStyle/>
-          <a:p>
-            <a:pPr algn="ctr"/>
-            <a:endParaRPr lang="en-US"/>
-          </a:p>
-        </p:txBody>
-      </p:sp>
-      <p:sp>
-        <p:nvSpPr>
-          <p:cNvPr id="6" name="Rectangle 5">
-            <a:extLst>
-              <a:ext uri="{FF2B5EF4-FFF2-40B4-BE49-F238E27FC236}">
-                <a16:creationId xmlns:a16="http://schemas.microsoft.com/office/drawing/2014/main" id="{4C0EE8DA-A280-FE80-807C-7240960D0B81}"/>
-              </a:ext>
-            </a:extLst>
-          </p:cNvPr>
-          <p:cNvSpPr/>
-          <p:nvPr/>
-        </p:nvSpPr>
-        <p:spPr>
-          <a:xfrm>
-            <a:off x="11603758" y="1"/>
-            <a:ext cx="61768" cy="6857999"/>
-          </a:xfrm>
-          <a:prstGeom prst="rect">
-            <a:avLst/>
-          </a:prstGeom>
-          <a:solidFill>
-            <a:schemeClr val="tx2">
-              <a:lumMod val="90000"/>
-              <a:lumOff val="10000"/>
-            </a:schemeClr>
-          </a:solidFill>
-          <a:ln>
-            <a:solidFill>
-              <a:schemeClr val="tx2">
-                <a:lumMod val="90000"/>
-                <a:lumOff val="10000"/>
-              </a:schemeClr>
-            </a:solidFill>
-          </a:ln>
-        </p:spPr>
-        <p:style>
-          <a:lnRef idx="2">
-            <a:schemeClr val="accent1">
-              <a:shade val="15000"/>
-            </a:schemeClr>
-          </a:lnRef>
-          <a:fillRef idx="1">
-            <a:schemeClr val="accent1"/>
-          </a:fillRef>
-          <a:effectRef idx="0">
-            <a:schemeClr val="accent1"/>
-          </a:effectRef>
-          <a:fontRef idx="minor">
-            <a:schemeClr val="lt1"/>
-          </a:fontRef>
-        </p:style>
-        <p:txBody>
-          <a:bodyPr rtlCol="0" anchor="ctr"/>
-          <a:lstStyle/>
-          <a:p>
-            <a:pPr algn="ctr"/>
-            <a:endParaRPr lang="en-US"/>
-          </a:p>
-        </p:txBody>
-      </p:sp>
-    </p:spTree>
-    <p:extLst>
-      <p:ext uri="{BB962C8B-B14F-4D97-AF65-F5344CB8AC3E}">
-        <p14:creationId xmlns:p14="http://schemas.microsoft.com/office/powerpoint/2010/main" val="4034258372"/>
-      </p:ext>
-    </p:extLst>
-  </p:cSld>
-  <p:clrMapOvr>
-    <a:masterClrMapping/>
-  </p:clrMapOvr>
-</p:sld>
-</file>
-
-<file path=ppt/slides/slide20.xml><?xml version="1.0" encoding="utf-8"?>
+<file path=ppt/slides/slide22.xml><?xml version="1.0" encoding="utf-8"?>
 <p:sld xmlns:a="http://schemas.openxmlformats.org/drawingml/2006/main" xmlns:r="http://schemas.openxmlformats.org/officeDocument/2006/relationships" xmlns:p="http://schemas.openxmlformats.org/presentationml/2006/main">
   <p:cSld>
     <p:spTree>
@@ -10501,7 +11206,7 @@
 </p:sld>
 </file>
 
-<file path=ppt/slides/slide21.xml><?xml version="1.0" encoding="utf-8"?>
+<file path=ppt/slides/slide23.xml><?xml version="1.0" encoding="utf-8"?>
 <p:sld xmlns:a="http://schemas.openxmlformats.org/drawingml/2006/main" xmlns:r="http://schemas.openxmlformats.org/officeDocument/2006/relationships" xmlns:p="http://schemas.openxmlformats.org/presentationml/2006/main">
   <p:cSld>
     <p:spTree>
@@ -11521,7 +12226,7 @@
 </p:sld>
 </file>
 
-<file path=ppt/slides/slide22.xml><?xml version="1.0" encoding="utf-8"?>
+<file path=ppt/slides/slide24.xml><?xml version="1.0" encoding="utf-8"?>
 <p:sld xmlns:a="http://schemas.openxmlformats.org/drawingml/2006/main" xmlns:r="http://schemas.openxmlformats.org/officeDocument/2006/relationships" xmlns:p="http://schemas.openxmlformats.org/presentationml/2006/main">
   <p:cSld>
     <p:spTree>
@@ -12315,7 +13020,7 @@
 </p:sld>
 </file>
 
-<file path=ppt/slides/slide23.xml><?xml version="1.0" encoding="utf-8"?>
+<file path=ppt/slides/slide25.xml><?xml version="1.0" encoding="utf-8"?>
 <p:sld xmlns:a="http://schemas.openxmlformats.org/drawingml/2006/main" xmlns:r="http://schemas.openxmlformats.org/officeDocument/2006/relationships" xmlns:p="http://schemas.openxmlformats.org/presentationml/2006/main">
   <p:cSld>
     <p:spTree>
@@ -13115,7 +13820,7 @@
 </p:sld>
 </file>
 
-<file path=ppt/slides/slide24.xml><?xml version="1.0" encoding="utf-8"?>
+<file path=ppt/slides/slide26.xml><?xml version="1.0" encoding="utf-8"?>
 <p:sld xmlns:a="http://schemas.openxmlformats.org/drawingml/2006/main" xmlns:r="http://schemas.openxmlformats.org/officeDocument/2006/relationships" xmlns:p="http://schemas.openxmlformats.org/presentationml/2006/main">
   <p:cSld>
     <p:spTree>
@@ -14023,7 +14728,7 @@
 </p:sld>
 </file>
 
-<file path=ppt/slides/slide25.xml><?xml version="1.0" encoding="utf-8"?>
+<file path=ppt/slides/slide27.xml><?xml version="1.0" encoding="utf-8"?>
 <p:sld xmlns:a="http://schemas.openxmlformats.org/drawingml/2006/main" xmlns:r="http://schemas.openxmlformats.org/officeDocument/2006/relationships" xmlns:p="http://schemas.openxmlformats.org/presentationml/2006/main">
   <p:cSld>
     <p:spTree>
@@ -14854,7 +15559,7 @@
 </p:sld>
 </file>
 
-<file path=ppt/slides/slide26.xml><?xml version="1.0" encoding="utf-8"?>
+<file path=ppt/slides/slide28.xml><?xml version="1.0" encoding="utf-8"?>
 <p:sld xmlns:a="http://schemas.openxmlformats.org/drawingml/2006/main" xmlns:r="http://schemas.openxmlformats.org/officeDocument/2006/relationships" xmlns:p="http://schemas.openxmlformats.org/presentationml/2006/main">
   <p:cSld>
     <p:spTree>
@@ -15907,7 +16612,7 @@
 </p:sld>
 </file>
 
-<file path=ppt/slides/slide27.xml><?xml version="1.0" encoding="utf-8"?>
+<file path=ppt/slides/slide29.xml><?xml version="1.0" encoding="utf-8"?>
 <p:sld xmlns:a="http://schemas.openxmlformats.org/drawingml/2006/main" xmlns:r="http://schemas.openxmlformats.org/officeDocument/2006/relationships" xmlns:p="http://schemas.openxmlformats.org/presentationml/2006/main">
   <p:cSld>
     <p:spTree>
@@ -16228,7 +16933,7 @@
 </p:sld>
 </file>
 
-<file path=ppt/slides/slide28.xml><?xml version="1.0" encoding="utf-8"?>
+<file path=ppt/slides/slide3.xml><?xml version="1.0" encoding="utf-8"?>
 <p:sld xmlns:a="http://schemas.openxmlformats.org/drawingml/2006/main" xmlns:r="http://schemas.openxmlformats.org/officeDocument/2006/relationships" xmlns:p="http://schemas.openxmlformats.org/presentationml/2006/main">
   <p:cSld>
     <p:spTree>
@@ -16268,10 +16973,6 @@
           </a:bodyPr>
           <a:lstStyle/>
           <a:p>
-            <a:pPr marL="914400" indent="-914400">
-              <a:buFont typeface="+mj-lt"/>
-              <a:buAutoNum type="arabicPeriod" startAt="4"/>
-            </a:pPr>
             <a:r>
               <a:rPr lang="vi-VN" sz="5400" b="1">
                 <a:solidFill>
@@ -16288,7 +16989,7 @@
                   </a:outerShdw>
                 </a:effectLst>
               </a:rPr>
-              <a:t>KẾT LUẬN</a:t>
+              <a:t>NỘI DUNG BÁO CÁO</a:t>
             </a:r>
             <a:endParaRPr lang="en-US" sz="5400" b="1">
               <a:solidFill>
@@ -16304,6 +17005,150 @@
                   </a:prstClr>
                 </a:outerShdw>
               </a:effectLst>
+            </a:endParaRPr>
+          </a:p>
+        </p:txBody>
+      </p:sp>
+      <p:sp>
+        <p:nvSpPr>
+          <p:cNvPr id="3" name="Content Placeholder 2">
+            <a:extLst>
+              <a:ext uri="{FF2B5EF4-FFF2-40B4-BE49-F238E27FC236}">
+                <a16:creationId xmlns:a16="http://schemas.microsoft.com/office/drawing/2014/main" id="{E2A56599-DFFC-6949-8919-40C6A1F9CBE4}"/>
+              </a:ext>
+            </a:extLst>
+          </p:cNvPr>
+          <p:cNvSpPr>
+            <a:spLocks noGrp="1"/>
+          </p:cNvSpPr>
+          <p:nvPr>
+            <p:ph idx="1"/>
+          </p:nvPr>
+        </p:nvSpPr>
+        <p:spPr>
+          <a:xfrm>
+            <a:off x="890443" y="2111952"/>
+            <a:ext cx="7058891" cy="3706958"/>
+          </a:xfrm>
+        </p:spPr>
+        <p:txBody>
+          <a:bodyPr>
+            <a:normAutofit/>
+          </a:bodyPr>
+          <a:lstStyle/>
+          <a:p>
+            <a:pPr marL="514350" indent="-514350">
+              <a:lnSpc>
+                <a:spcPct val="110000"/>
+              </a:lnSpc>
+              <a:buFont typeface="+mj-lt"/>
+              <a:buAutoNum type="arabicPeriod"/>
+            </a:pPr>
+            <a:r>
+              <a:rPr lang="vi-VN" sz="3600" b="1">
+                <a:solidFill>
+                  <a:schemeClr val="tx2">
+                    <a:lumMod val="90000"/>
+                    <a:lumOff val="10000"/>
+                  </a:schemeClr>
+                </a:solidFill>
+                <a:latin typeface="+mj-lt"/>
+              </a:rPr>
+              <a:t>GIỚI THIỆU TỔNG QUAN</a:t>
+            </a:r>
+          </a:p>
+          <a:p>
+            <a:pPr marL="514350" indent="-514350">
+              <a:lnSpc>
+                <a:spcPct val="110000"/>
+              </a:lnSpc>
+              <a:buFont typeface="+mj-lt"/>
+              <a:buAutoNum type="arabicPeriod"/>
+            </a:pPr>
+            <a:r>
+              <a:rPr lang="vi-VN" sz="3600" b="1">
+                <a:solidFill>
+                  <a:schemeClr val="tx2">
+                    <a:lumMod val="90000"/>
+                    <a:lumOff val="10000"/>
+                  </a:schemeClr>
+                </a:solidFill>
+                <a:latin typeface="+mj-lt"/>
+              </a:rPr>
+              <a:t>CƠ SỞ LÝ THUYẾT</a:t>
+            </a:r>
+          </a:p>
+          <a:p>
+            <a:pPr marL="514350" indent="-514350">
+              <a:lnSpc>
+                <a:spcPct val="110000"/>
+              </a:lnSpc>
+              <a:buFont typeface="+mj-lt"/>
+              <a:buAutoNum type="arabicPeriod"/>
+            </a:pPr>
+            <a:r>
+              <a:rPr lang="vi-VN" sz="3600" b="1">
+                <a:solidFill>
+                  <a:schemeClr val="tx2">
+                    <a:lumMod val="90000"/>
+                    <a:lumOff val="10000"/>
+                  </a:schemeClr>
+                </a:solidFill>
+                <a:latin typeface="+mj-lt"/>
+              </a:rPr>
+              <a:t>PHƯƠNG PHÁP THỰC HIỆN</a:t>
+            </a:r>
+          </a:p>
+          <a:p>
+            <a:pPr marL="514350" indent="-514350">
+              <a:lnSpc>
+                <a:spcPct val="110000"/>
+              </a:lnSpc>
+              <a:buFont typeface="+mj-lt"/>
+              <a:buAutoNum type="arabicPeriod"/>
+            </a:pPr>
+            <a:r>
+              <a:rPr lang="vi-VN" sz="3600" b="1">
+                <a:solidFill>
+                  <a:schemeClr val="tx2">
+                    <a:lumMod val="90000"/>
+                    <a:lumOff val="10000"/>
+                  </a:schemeClr>
+                </a:solidFill>
+                <a:latin typeface="+mj-lt"/>
+              </a:rPr>
+              <a:t>KẾT QUẢ THỰC NGHIỆM</a:t>
+            </a:r>
+          </a:p>
+          <a:p>
+            <a:pPr marL="514350" indent="-514350">
+              <a:lnSpc>
+                <a:spcPct val="110000"/>
+              </a:lnSpc>
+              <a:buFont typeface="+mj-lt"/>
+              <a:buAutoNum type="arabicPeriod"/>
+            </a:pPr>
+            <a:r>
+              <a:rPr lang="vi-VN" sz="3600" b="1">
+                <a:solidFill>
+                  <a:schemeClr val="tx2">
+                    <a:lumMod val="90000"/>
+                    <a:lumOff val="10000"/>
+                  </a:schemeClr>
+                </a:solidFill>
+                <a:latin typeface="+mj-lt"/>
+              </a:rPr>
+              <a:t>KẾT LUẬN</a:t>
+            </a:r>
+          </a:p>
+          <a:p>
+            <a:endParaRPr lang="en-US">
+              <a:solidFill>
+                <a:schemeClr val="tx2">
+                  <a:lumMod val="90000"/>
+                  <a:lumOff val="10000"/>
+                </a:schemeClr>
+              </a:solidFill>
             </a:endParaRPr>
           </a:p>
         </p:txBody>
@@ -16491,7 +17336,7 @@
     </p:spTree>
     <p:extLst>
       <p:ext uri="{BB962C8B-B14F-4D97-AF65-F5344CB8AC3E}">
-        <p14:creationId xmlns:p14="http://schemas.microsoft.com/office/powerpoint/2010/main" val="4120725114"/>
+        <p14:creationId xmlns:p14="http://schemas.microsoft.com/office/powerpoint/2010/main" val="4034258372"/>
       </p:ext>
     </p:extLst>
   </p:cSld>
@@ -16501,7 +17346,7 @@
 </p:sld>
 </file>
 
-<file path=ppt/slides/slide29.xml><?xml version="1.0" encoding="utf-8"?>
+<file path=ppt/slides/slide30.xml><?xml version="1.0" encoding="utf-8"?>
 <p:sld xmlns:a="http://schemas.openxmlformats.org/drawingml/2006/main" xmlns:r="http://schemas.openxmlformats.org/officeDocument/2006/relationships" xmlns:p="http://schemas.openxmlformats.org/presentationml/2006/main">
   <p:cSld>
     <p:spTree>
@@ -16534,112 +17379,16 @@
             <p:ph type="title"/>
           </p:nvPr>
         </p:nvSpPr>
-        <p:spPr>
-          <a:xfrm>
-            <a:off x="774699" y="2766218"/>
-            <a:ext cx="10642601" cy="1325563"/>
-          </a:xfrm>
-        </p:spPr>
+        <p:spPr/>
         <p:txBody>
           <a:bodyPr>
             <a:normAutofit/>
           </a:bodyPr>
           <a:lstStyle/>
           <a:p>
-            <a:r>
-              <a:rPr lang="vi-VN" sz="6000" b="1">
-                <a:solidFill>
-                  <a:schemeClr val="tx2">
-                    <a:lumMod val="90000"/>
-                    <a:lumOff val="10000"/>
-                  </a:schemeClr>
-                </a:solidFill>
-                <a:effectLst>
-                  <a:outerShdw blurRad="50800" dist="38100" dir="2700000" algn="tl" rotWithShape="0">
-                    <a:prstClr val="black">
-                      <a:alpha val="40000"/>
-                    </a:prstClr>
-                  </a:outerShdw>
-                  <a:reflection blurRad="6350" stA="50000" endA="300" endPos="50000" dist="29997" dir="5400000" sy="-100000" algn="bl" rotWithShape="0"/>
-                </a:effectLst>
-              </a:rPr>
-              <a:t>XIN CHÂN THÀNH CẢM ƠN!</a:t>
-            </a:r>
-            <a:endParaRPr lang="en-US" sz="6000" b="1">
-              <a:solidFill>
-                <a:schemeClr val="tx2">
-                  <a:lumMod val="90000"/>
-                  <a:lumOff val="10000"/>
-                </a:schemeClr>
-              </a:solidFill>
-              <a:effectLst>
-                <a:outerShdw blurRad="50800" dist="38100" dir="2700000" algn="tl" rotWithShape="0">
-                  <a:prstClr val="black">
-                    <a:alpha val="40000"/>
-                  </a:prstClr>
-                </a:outerShdw>
-                <a:reflection blurRad="6350" stA="50000" endA="300" endPos="50000" dist="29997" dir="5400000" sy="-100000" algn="bl" rotWithShape="0"/>
-              </a:effectLst>
-            </a:endParaRPr>
-          </a:p>
-        </p:txBody>
-      </p:sp>
-    </p:spTree>
-    <p:extLst>
-      <p:ext uri="{BB962C8B-B14F-4D97-AF65-F5344CB8AC3E}">
-        <p14:creationId xmlns:p14="http://schemas.microsoft.com/office/powerpoint/2010/main" val="2996126107"/>
-      </p:ext>
-    </p:extLst>
-  </p:cSld>
-  <p:clrMapOvr>
-    <a:masterClrMapping/>
-  </p:clrMapOvr>
-</p:sld>
-</file>
-
-<file path=ppt/slides/slide3.xml><?xml version="1.0" encoding="utf-8"?>
-<p:sld xmlns:a="http://schemas.openxmlformats.org/drawingml/2006/main" xmlns:r="http://schemas.openxmlformats.org/officeDocument/2006/relationships" xmlns:p="http://schemas.openxmlformats.org/presentationml/2006/main">
-  <p:cSld>
-    <p:spTree>
-      <p:nvGrpSpPr>
-        <p:cNvPr id="1" name=""/>
-        <p:cNvGrpSpPr/>
-        <p:nvPr/>
-      </p:nvGrpSpPr>
-      <p:grpSpPr>
-        <a:xfrm>
-          <a:off x="0" y="0"/>
-          <a:ext cx="0" cy="0"/>
-          <a:chOff x="0" y="0"/>
-          <a:chExt cx="0" cy="0"/>
-        </a:xfrm>
-      </p:grpSpPr>
-      <p:sp>
-        <p:nvSpPr>
-          <p:cNvPr id="2" name="Title 1">
-            <a:extLst>
-              <a:ext uri="{FF2B5EF4-FFF2-40B4-BE49-F238E27FC236}">
-                <a16:creationId xmlns:a16="http://schemas.microsoft.com/office/drawing/2014/main" id="{AA675B46-CDB0-B7C0-37A7-8B0AC0F16C62}"/>
-              </a:ext>
-            </a:extLst>
-          </p:cNvPr>
-          <p:cNvSpPr>
-            <a:spLocks noGrp="1"/>
-          </p:cNvSpPr>
-          <p:nvPr>
-            <p:ph type="title"/>
-          </p:nvPr>
-        </p:nvSpPr>
-        <p:spPr/>
-        <p:txBody>
-          <a:bodyPr>
-            <a:normAutofit/>
-          </a:bodyPr>
-          <a:lstStyle/>
-          <a:p>
             <a:pPr marL="914400" indent="-914400">
               <a:buFont typeface="+mj-lt"/>
-              <a:buAutoNum type="arabicPeriod"/>
+              <a:buAutoNum type="arabicPeriod" startAt="4"/>
             </a:pPr>
             <a:r>
               <a:rPr lang="vi-VN" sz="5400" b="1">
@@ -16657,7 +17406,7 @@
                   </a:outerShdw>
                 </a:effectLst>
               </a:rPr>
-              <a:t>GIỚI THIỆU TỔNG QUAN</a:t>
+              <a:t>KẾT LUẬN</a:t>
             </a:r>
             <a:endParaRPr lang="en-US" sz="5400" b="1">
               <a:solidFill>
@@ -16857,12 +17606,42 @@
           </a:p>
         </p:txBody>
       </p:sp>
-      <p:sp>
-        <p:nvSpPr>
-          <p:cNvPr id="14" name="Content Placeholder 2">
-            <a:extLst>
-              <a:ext uri="{FF2B5EF4-FFF2-40B4-BE49-F238E27FC236}">
-                <a16:creationId xmlns:a16="http://schemas.microsoft.com/office/drawing/2014/main" id="{E47469C6-2CEB-B7F4-0A25-B600CA8A89F6}"/>
+    </p:spTree>
+    <p:extLst>
+      <p:ext uri="{BB962C8B-B14F-4D97-AF65-F5344CB8AC3E}">
+        <p14:creationId xmlns:p14="http://schemas.microsoft.com/office/powerpoint/2010/main" val="4120725114"/>
+      </p:ext>
+    </p:extLst>
+  </p:cSld>
+  <p:clrMapOvr>
+    <a:masterClrMapping/>
+  </p:clrMapOvr>
+</p:sld>
+</file>
+
+<file path=ppt/slides/slide31.xml><?xml version="1.0" encoding="utf-8"?>
+<p:sld xmlns:a="http://schemas.openxmlformats.org/drawingml/2006/main" xmlns:r="http://schemas.openxmlformats.org/officeDocument/2006/relationships" xmlns:p="http://schemas.openxmlformats.org/presentationml/2006/main">
+  <p:cSld>
+    <p:spTree>
+      <p:nvGrpSpPr>
+        <p:cNvPr id="1" name=""/>
+        <p:cNvGrpSpPr/>
+        <p:nvPr/>
+      </p:nvGrpSpPr>
+      <p:grpSpPr>
+        <a:xfrm>
+          <a:off x="0" y="0"/>
+          <a:ext cx="0" cy="0"/>
+          <a:chOff x="0" y="0"/>
+          <a:chExt cx="0" cy="0"/>
+        </a:xfrm>
+      </p:grpSpPr>
+      <p:sp>
+        <p:nvSpPr>
+          <p:cNvPr id="2" name="Title 1">
+            <a:extLst>
+              <a:ext uri="{FF2B5EF4-FFF2-40B4-BE49-F238E27FC236}">
+                <a16:creationId xmlns:a16="http://schemas.microsoft.com/office/drawing/2014/main" id="{AA675B46-CDB0-B7C0-37A7-8B0AC0F16C62}"/>
               </a:ext>
             </a:extLst>
           </p:cNvPr>
@@ -16870,13 +17649,13 @@
             <a:spLocks noGrp="1"/>
           </p:cNvSpPr>
           <p:nvPr>
-            <p:ph idx="1"/>
+            <p:ph type="title"/>
           </p:nvPr>
         </p:nvSpPr>
         <p:spPr>
           <a:xfrm>
-            <a:off x="899968" y="2185844"/>
-            <a:ext cx="6923232" cy="3263610"/>
+            <a:off x="774699" y="2766218"/>
+            <a:ext cx="10642601" cy="1325563"/>
           </a:xfrm>
         </p:spPr>
         <p:txBody>
@@ -16885,68 +17664,48 @@
           </a:bodyPr>
           <a:lstStyle/>
           <a:p>
-            <a:pPr>
-              <a:lnSpc>
-                <a:spcPct val="170000"/>
-              </a:lnSpc>
-            </a:pPr>
             <a:r>
-              <a:rPr lang="vi-VN" sz="3600" b="1">
+              <a:rPr lang="vi-VN" sz="6000" b="1">
                 <a:solidFill>
                   <a:schemeClr val="tx2">
                     <a:lumMod val="90000"/>
                     <a:lumOff val="10000"/>
                   </a:schemeClr>
                 </a:solidFill>
-                <a:latin typeface="+mj-lt"/>
+                <a:effectLst>
+                  <a:outerShdw blurRad="50800" dist="38100" dir="2700000" algn="tl" rotWithShape="0">
+                    <a:prstClr val="black">
+                      <a:alpha val="40000"/>
+                    </a:prstClr>
+                  </a:outerShdw>
+                  <a:reflection blurRad="6350" stA="50000" endA="300" endPos="50000" dist="29997" dir="5400000" sy="-100000" algn="bl" rotWithShape="0"/>
+                </a:effectLst>
               </a:rPr>
-              <a:t> LÝ DO CHỌN ĐỀ TÀI</a:t>
+              <a:t>XIN CHÂN THÀNH CẢM ƠN!</a:t>
             </a:r>
-          </a:p>
-          <a:p>
-            <a:pPr>
-              <a:lnSpc>
-                <a:spcPct val="170000"/>
-              </a:lnSpc>
-            </a:pPr>
-            <a:r>
-              <a:rPr lang="vi-VN" sz="3600" b="1">
-                <a:solidFill>
-                  <a:schemeClr val="tx2">
-                    <a:lumMod val="90000"/>
-                    <a:lumOff val="10000"/>
-                  </a:schemeClr>
-                </a:solidFill>
-                <a:latin typeface="+mj-lt"/>
-              </a:rPr>
-              <a:t> MỤC TIÊU</a:t>
-            </a:r>
-          </a:p>
-          <a:p>
-            <a:pPr>
-              <a:lnSpc>
-                <a:spcPct val="170000"/>
-              </a:lnSpc>
-            </a:pPr>
-            <a:r>
-              <a:rPr lang="vi-VN" sz="3600" b="1">
-                <a:solidFill>
-                  <a:schemeClr val="tx2">
-                    <a:lumMod val="90000"/>
-                    <a:lumOff val="10000"/>
-                  </a:schemeClr>
-                </a:solidFill>
-                <a:latin typeface="+mj-lt"/>
-              </a:rPr>
-              <a:t> PHẠM VI NGHIÊN CỨU</a:t>
-            </a:r>
+            <a:endParaRPr lang="en-US" sz="6000" b="1">
+              <a:solidFill>
+                <a:schemeClr val="tx2">
+                  <a:lumMod val="90000"/>
+                  <a:lumOff val="10000"/>
+                </a:schemeClr>
+              </a:solidFill>
+              <a:effectLst>
+                <a:outerShdw blurRad="50800" dist="38100" dir="2700000" algn="tl" rotWithShape="0">
+                  <a:prstClr val="black">
+                    <a:alpha val="40000"/>
+                  </a:prstClr>
+                </a:outerShdw>
+                <a:reflection blurRad="6350" stA="50000" endA="300" endPos="50000" dist="29997" dir="5400000" sy="-100000" algn="bl" rotWithShape="0"/>
+              </a:effectLst>
+            </a:endParaRPr>
           </a:p>
         </p:txBody>
       </p:sp>
     </p:spTree>
     <p:extLst>
       <p:ext uri="{BB962C8B-B14F-4D97-AF65-F5344CB8AC3E}">
-        <p14:creationId xmlns:p14="http://schemas.microsoft.com/office/powerpoint/2010/main" val="342160253"/>
+        <p14:creationId xmlns:p14="http://schemas.microsoft.com/office/powerpoint/2010/main" val="2996126107"/>
       </p:ext>
     </p:extLst>
   </p:cSld>
@@ -16998,7 +17757,7 @@
           <a:p>
             <a:pPr marL="914400" indent="-914400">
               <a:buFont typeface="+mj-lt"/>
-              <a:buAutoNum type="arabicPeriod" startAt="2"/>
+              <a:buAutoNum type="arabicPeriod"/>
             </a:pPr>
             <a:r>
               <a:rPr lang="vi-VN" sz="5400" b="1">
@@ -17016,7 +17775,7 @@
                   </a:outerShdw>
                 </a:effectLst>
               </a:rPr>
-              <a:t>CƠ SỞ LÝ THUYẾT</a:t>
+              <a:t>GIỚI THIỆU TỔNG QUAN</a:t>
             </a:r>
             <a:endParaRPr lang="en-US" sz="5400" b="1">
               <a:solidFill>
@@ -17218,6 +17977,365 @@
       </p:sp>
       <p:sp>
         <p:nvSpPr>
+          <p:cNvPr id="14" name="Content Placeholder 2">
+            <a:extLst>
+              <a:ext uri="{FF2B5EF4-FFF2-40B4-BE49-F238E27FC236}">
+                <a16:creationId xmlns:a16="http://schemas.microsoft.com/office/drawing/2014/main" id="{E47469C6-2CEB-B7F4-0A25-B600CA8A89F6}"/>
+              </a:ext>
+            </a:extLst>
+          </p:cNvPr>
+          <p:cNvSpPr>
+            <a:spLocks noGrp="1"/>
+          </p:cNvSpPr>
+          <p:nvPr>
+            <p:ph idx="1"/>
+          </p:nvPr>
+        </p:nvSpPr>
+        <p:spPr>
+          <a:xfrm>
+            <a:off x="899968" y="2185844"/>
+            <a:ext cx="6923232" cy="3263610"/>
+          </a:xfrm>
+        </p:spPr>
+        <p:txBody>
+          <a:bodyPr>
+            <a:normAutofit/>
+          </a:bodyPr>
+          <a:lstStyle/>
+          <a:p>
+            <a:pPr>
+              <a:lnSpc>
+                <a:spcPct val="170000"/>
+              </a:lnSpc>
+            </a:pPr>
+            <a:r>
+              <a:rPr lang="vi-VN" sz="3600" b="1">
+                <a:solidFill>
+                  <a:schemeClr val="tx2">
+                    <a:lumMod val="90000"/>
+                    <a:lumOff val="10000"/>
+                  </a:schemeClr>
+                </a:solidFill>
+                <a:latin typeface="+mj-lt"/>
+              </a:rPr>
+              <a:t> LÝ DO CHỌN ĐỀ TÀI</a:t>
+            </a:r>
+          </a:p>
+          <a:p>
+            <a:pPr>
+              <a:lnSpc>
+                <a:spcPct val="170000"/>
+              </a:lnSpc>
+            </a:pPr>
+            <a:r>
+              <a:rPr lang="vi-VN" sz="3600" b="1">
+                <a:solidFill>
+                  <a:schemeClr val="tx2">
+                    <a:lumMod val="90000"/>
+                    <a:lumOff val="10000"/>
+                  </a:schemeClr>
+                </a:solidFill>
+                <a:latin typeface="+mj-lt"/>
+              </a:rPr>
+              <a:t> MỤC TIÊU</a:t>
+            </a:r>
+          </a:p>
+          <a:p>
+            <a:pPr>
+              <a:lnSpc>
+                <a:spcPct val="170000"/>
+              </a:lnSpc>
+            </a:pPr>
+            <a:r>
+              <a:rPr lang="vi-VN" sz="3600" b="1">
+                <a:solidFill>
+                  <a:schemeClr val="tx2">
+                    <a:lumMod val="90000"/>
+                    <a:lumOff val="10000"/>
+                  </a:schemeClr>
+                </a:solidFill>
+                <a:latin typeface="+mj-lt"/>
+              </a:rPr>
+              <a:t> PHẠM VI NGHIÊN CỨU</a:t>
+            </a:r>
+          </a:p>
+        </p:txBody>
+      </p:sp>
+    </p:spTree>
+    <p:extLst>
+      <p:ext uri="{BB962C8B-B14F-4D97-AF65-F5344CB8AC3E}">
+        <p14:creationId xmlns:p14="http://schemas.microsoft.com/office/powerpoint/2010/main" val="342160253"/>
+      </p:ext>
+    </p:extLst>
+  </p:cSld>
+  <p:clrMapOvr>
+    <a:masterClrMapping/>
+  </p:clrMapOvr>
+</p:sld>
+</file>
+
+<file path=ppt/slides/slide5.xml><?xml version="1.0" encoding="utf-8"?>
+<p:sld xmlns:a="http://schemas.openxmlformats.org/drawingml/2006/main" xmlns:r="http://schemas.openxmlformats.org/officeDocument/2006/relationships" xmlns:p="http://schemas.openxmlformats.org/presentationml/2006/main">
+  <p:cSld>
+    <p:spTree>
+      <p:nvGrpSpPr>
+        <p:cNvPr id="1" name=""/>
+        <p:cNvGrpSpPr/>
+        <p:nvPr/>
+      </p:nvGrpSpPr>
+      <p:grpSpPr>
+        <a:xfrm>
+          <a:off x="0" y="0"/>
+          <a:ext cx="0" cy="0"/>
+          <a:chOff x="0" y="0"/>
+          <a:chExt cx="0" cy="0"/>
+        </a:xfrm>
+      </p:grpSpPr>
+      <p:sp>
+        <p:nvSpPr>
+          <p:cNvPr id="2" name="Title 1">
+            <a:extLst>
+              <a:ext uri="{FF2B5EF4-FFF2-40B4-BE49-F238E27FC236}">
+                <a16:creationId xmlns:a16="http://schemas.microsoft.com/office/drawing/2014/main" id="{AA675B46-CDB0-B7C0-37A7-8B0AC0F16C62}"/>
+              </a:ext>
+            </a:extLst>
+          </p:cNvPr>
+          <p:cNvSpPr>
+            <a:spLocks noGrp="1"/>
+          </p:cNvSpPr>
+          <p:nvPr>
+            <p:ph type="title"/>
+          </p:nvPr>
+        </p:nvSpPr>
+        <p:spPr/>
+        <p:txBody>
+          <a:bodyPr>
+            <a:normAutofit/>
+          </a:bodyPr>
+          <a:lstStyle/>
+          <a:p>
+            <a:pPr marL="914400" indent="-914400">
+              <a:buFont typeface="+mj-lt"/>
+              <a:buAutoNum type="arabicPeriod" startAt="2"/>
+            </a:pPr>
+            <a:r>
+              <a:rPr lang="vi-VN" sz="5400" b="1">
+                <a:solidFill>
+                  <a:schemeClr val="tx2">
+                    <a:lumMod val="90000"/>
+                    <a:lumOff val="10000"/>
+                  </a:schemeClr>
+                </a:solidFill>
+                <a:effectLst>
+                  <a:outerShdw blurRad="50800" dist="38100" dir="2700000" algn="tl" rotWithShape="0">
+                    <a:prstClr val="black">
+                      <a:alpha val="40000"/>
+                    </a:prstClr>
+                  </a:outerShdw>
+                </a:effectLst>
+              </a:rPr>
+              <a:t>CƠ SỞ LÝ THUYẾT</a:t>
+            </a:r>
+            <a:endParaRPr lang="en-US" sz="5400" b="1">
+              <a:solidFill>
+                <a:schemeClr val="tx2">
+                  <a:lumMod val="90000"/>
+                  <a:lumOff val="10000"/>
+                </a:schemeClr>
+              </a:solidFill>
+              <a:effectLst>
+                <a:outerShdw blurRad="50800" dist="38100" dir="2700000" algn="tl" rotWithShape="0">
+                  <a:prstClr val="black">
+                    <a:alpha val="40000"/>
+                  </a:prstClr>
+                </a:outerShdw>
+              </a:effectLst>
+            </a:endParaRPr>
+          </a:p>
+        </p:txBody>
+      </p:sp>
+      <p:sp>
+        <p:nvSpPr>
+          <p:cNvPr id="4" name="Rectangle 3">
+            <a:extLst>
+              <a:ext uri="{FF2B5EF4-FFF2-40B4-BE49-F238E27FC236}">
+                <a16:creationId xmlns:a16="http://schemas.microsoft.com/office/drawing/2014/main" id="{4F46E0BB-1F75-B143-DEB4-E3A2BFF86F6A}"/>
+              </a:ext>
+            </a:extLst>
+          </p:cNvPr>
+          <p:cNvSpPr/>
+          <p:nvPr/>
+        </p:nvSpPr>
+        <p:spPr>
+          <a:xfrm>
+            <a:off x="11914908" y="0"/>
+            <a:ext cx="277091" cy="6858000"/>
+          </a:xfrm>
+          <a:prstGeom prst="rect">
+            <a:avLst/>
+          </a:prstGeom>
+          <a:solidFill>
+            <a:schemeClr val="tx2">
+              <a:lumMod val="90000"/>
+              <a:lumOff val="10000"/>
+            </a:schemeClr>
+          </a:solidFill>
+          <a:ln>
+            <a:solidFill>
+              <a:schemeClr val="tx2">
+                <a:lumMod val="90000"/>
+                <a:lumOff val="10000"/>
+              </a:schemeClr>
+            </a:solidFill>
+          </a:ln>
+        </p:spPr>
+        <p:style>
+          <a:lnRef idx="2">
+            <a:schemeClr val="accent1">
+              <a:shade val="15000"/>
+            </a:schemeClr>
+          </a:lnRef>
+          <a:fillRef idx="1">
+            <a:schemeClr val="accent1"/>
+          </a:fillRef>
+          <a:effectRef idx="0">
+            <a:schemeClr val="accent1"/>
+          </a:effectRef>
+          <a:fontRef idx="minor">
+            <a:schemeClr val="lt1"/>
+          </a:fontRef>
+        </p:style>
+        <p:txBody>
+          <a:bodyPr rtlCol="0" anchor="ctr"/>
+          <a:lstStyle/>
+          <a:p>
+            <a:pPr algn="ctr"/>
+            <a:endParaRPr lang="en-US"/>
+          </a:p>
+        </p:txBody>
+      </p:sp>
+      <p:sp>
+        <p:nvSpPr>
+          <p:cNvPr id="5" name="Rectangle 4">
+            <a:extLst>
+              <a:ext uri="{FF2B5EF4-FFF2-40B4-BE49-F238E27FC236}">
+                <a16:creationId xmlns:a16="http://schemas.microsoft.com/office/drawing/2014/main" id="{FA4BA7D2-6425-7504-9ADA-A15DD76E4697}"/>
+              </a:ext>
+            </a:extLst>
+          </p:cNvPr>
+          <p:cNvSpPr/>
+          <p:nvPr/>
+        </p:nvSpPr>
+        <p:spPr>
+          <a:xfrm>
+            <a:off x="11727295" y="0"/>
+            <a:ext cx="125844" cy="6858000"/>
+          </a:xfrm>
+          <a:prstGeom prst="rect">
+            <a:avLst/>
+          </a:prstGeom>
+          <a:solidFill>
+            <a:schemeClr val="tx2">
+              <a:lumMod val="90000"/>
+              <a:lumOff val="10000"/>
+            </a:schemeClr>
+          </a:solidFill>
+          <a:ln>
+            <a:solidFill>
+              <a:schemeClr val="tx2">
+                <a:lumMod val="90000"/>
+                <a:lumOff val="10000"/>
+              </a:schemeClr>
+            </a:solidFill>
+          </a:ln>
+        </p:spPr>
+        <p:style>
+          <a:lnRef idx="2">
+            <a:schemeClr val="accent1">
+              <a:shade val="15000"/>
+            </a:schemeClr>
+          </a:lnRef>
+          <a:fillRef idx="1">
+            <a:schemeClr val="accent1"/>
+          </a:fillRef>
+          <a:effectRef idx="0">
+            <a:schemeClr val="accent1"/>
+          </a:effectRef>
+          <a:fontRef idx="minor">
+            <a:schemeClr val="lt1"/>
+          </a:fontRef>
+        </p:style>
+        <p:txBody>
+          <a:bodyPr rtlCol="0" anchor="ctr"/>
+          <a:lstStyle/>
+          <a:p>
+            <a:pPr algn="ctr"/>
+            <a:endParaRPr lang="en-US"/>
+          </a:p>
+        </p:txBody>
+      </p:sp>
+      <p:sp>
+        <p:nvSpPr>
+          <p:cNvPr id="6" name="Rectangle 5">
+            <a:extLst>
+              <a:ext uri="{FF2B5EF4-FFF2-40B4-BE49-F238E27FC236}">
+                <a16:creationId xmlns:a16="http://schemas.microsoft.com/office/drawing/2014/main" id="{4C0EE8DA-A280-FE80-807C-7240960D0B81}"/>
+              </a:ext>
+            </a:extLst>
+          </p:cNvPr>
+          <p:cNvSpPr/>
+          <p:nvPr/>
+        </p:nvSpPr>
+        <p:spPr>
+          <a:xfrm>
+            <a:off x="11603758" y="1"/>
+            <a:ext cx="61768" cy="6857999"/>
+          </a:xfrm>
+          <a:prstGeom prst="rect">
+            <a:avLst/>
+          </a:prstGeom>
+          <a:solidFill>
+            <a:schemeClr val="tx2">
+              <a:lumMod val="90000"/>
+              <a:lumOff val="10000"/>
+            </a:schemeClr>
+          </a:solidFill>
+          <a:ln>
+            <a:solidFill>
+              <a:schemeClr val="tx2">
+                <a:lumMod val="90000"/>
+                <a:lumOff val="10000"/>
+              </a:schemeClr>
+            </a:solidFill>
+          </a:ln>
+        </p:spPr>
+        <p:style>
+          <a:lnRef idx="2">
+            <a:schemeClr val="accent1">
+              <a:shade val="15000"/>
+            </a:schemeClr>
+          </a:lnRef>
+          <a:fillRef idx="1">
+            <a:schemeClr val="accent1"/>
+          </a:fillRef>
+          <a:effectRef idx="0">
+            <a:schemeClr val="accent1"/>
+          </a:effectRef>
+          <a:fontRef idx="minor">
+            <a:schemeClr val="lt1"/>
+          </a:fontRef>
+        </p:style>
+        <p:txBody>
+          <a:bodyPr rtlCol="0" anchor="ctr"/>
+          <a:lstStyle/>
+          <a:p>
+            <a:pPr algn="ctr"/>
+            <a:endParaRPr lang="en-US"/>
+          </a:p>
+        </p:txBody>
+      </p:sp>
+      <p:sp>
+        <p:nvSpPr>
           <p:cNvPr id="3" name="Content Placeholder 2">
             <a:extLst>
               <a:ext uri="{FF2B5EF4-FFF2-40B4-BE49-F238E27FC236}">
@@ -17334,7 +18452,7 @@
 </p:sld>
 </file>
 
-<file path=ppt/slides/slide5.xml><?xml version="1.0" encoding="utf-8"?>
+<file path=ppt/slides/slide6.xml><?xml version="1.0" encoding="utf-8"?>
 <p:sld xmlns:a="http://schemas.openxmlformats.org/drawingml/2006/main" xmlns:r="http://schemas.openxmlformats.org/officeDocument/2006/relationships" xmlns:p="http://schemas.openxmlformats.org/presentationml/2006/main">
   <p:cSld>
     <p:spTree>
@@ -17747,7 +18865,7 @@
 </p:sld>
 </file>
 
-<file path=ppt/slides/slide6.xml><?xml version="1.0" encoding="utf-8"?>
+<file path=ppt/slides/slide7.xml><?xml version="1.0" encoding="utf-8"?>
 <p:sld xmlns:a="http://schemas.openxmlformats.org/drawingml/2006/main" xmlns:r="http://schemas.openxmlformats.org/officeDocument/2006/relationships" xmlns:p="http://schemas.openxmlformats.org/presentationml/2006/main">
   <p:cSld>
     <p:spTree>
@@ -18018,7 +19136,7 @@
         <p:spPr>
           <a:xfrm>
             <a:off x="1227570" y="2109501"/>
-            <a:ext cx="6979227" cy="4899868"/>
+            <a:ext cx="6979227" cy="4449423"/>
           </a:xfrm>
           <a:prstGeom prst="rect">
             <a:avLst/>
@@ -18172,25 +19290,8 @@
                 <a:latin typeface="Times New Roman" panose="02020603050405020304" pitchFamily="18" charset="0"/>
                 <a:cs typeface="Times New Roman" panose="02020603050405020304" pitchFamily="18" charset="0"/>
               </a:rPr>
-              <a:t> Word Embeddings</a:t>
+              <a:t> Feature Extraction</a:t>
             </a:r>
-            <a:endParaRPr lang="vi-VN" sz="3200">
-              <a:solidFill>
-                <a:schemeClr val="tx2">
-                  <a:lumMod val="90000"/>
-                  <a:lumOff val="10000"/>
-                </a:schemeClr>
-              </a:solidFill>
-              <a:latin typeface="Times New Roman" panose="02020603050405020304" pitchFamily="18" charset="0"/>
-              <a:cs typeface="Times New Roman" panose="02020603050405020304" pitchFamily="18" charset="0"/>
-            </a:endParaRPr>
-          </a:p>
-          <a:p>
-            <a:pPr>
-              <a:lnSpc>
-                <a:spcPct val="150000"/>
-              </a:lnSpc>
-            </a:pPr>
             <a:endParaRPr lang="en-US">
               <a:solidFill>
                 <a:schemeClr val="tx2">
@@ -18263,7 +19364,7 @@
 </p:sld>
 </file>
 
-<file path=ppt/slides/slide7.xml><?xml version="1.0" encoding="utf-8"?>
+<file path=ppt/slides/slide8.xml><?xml version="1.0" encoding="utf-8"?>
 <p:sld xmlns:a="http://schemas.openxmlformats.org/drawingml/2006/main" xmlns:r="http://schemas.openxmlformats.org/officeDocument/2006/relationships" xmlns:p="http://schemas.openxmlformats.org/presentationml/2006/main">
   <p:cSld>
     <p:spTree>
@@ -18756,7 +19857,7 @@
 </p:sld>
 </file>
 
-<file path=ppt/slides/slide8.xml><?xml version="1.0" encoding="utf-8"?>
+<file path=ppt/slides/slide9.xml><?xml version="1.0" encoding="utf-8"?>
 <p:sld xmlns:a="http://schemas.openxmlformats.org/drawingml/2006/main" xmlns:r="http://schemas.openxmlformats.org/officeDocument/2006/relationships" xmlns:p="http://schemas.openxmlformats.org/presentationml/2006/main">
   <p:cSld>
     <p:spTree>
@@ -19140,383 +20241,6 @@
     <p:extLst>
       <p:ext uri="{BB962C8B-B14F-4D97-AF65-F5344CB8AC3E}">
         <p14:creationId xmlns:p14="http://schemas.microsoft.com/office/powerpoint/2010/main" val="314536716"/>
-      </p:ext>
-    </p:extLst>
-  </p:cSld>
-  <p:clrMapOvr>
-    <a:masterClrMapping/>
-  </p:clrMapOvr>
-</p:sld>
-</file>
-
-<file path=ppt/slides/slide9.xml><?xml version="1.0" encoding="utf-8"?>
-<p:sld xmlns:a="http://schemas.openxmlformats.org/drawingml/2006/main" xmlns:r="http://schemas.openxmlformats.org/officeDocument/2006/relationships" xmlns:p="http://schemas.openxmlformats.org/presentationml/2006/main">
-  <p:cSld>
-    <p:spTree>
-      <p:nvGrpSpPr>
-        <p:cNvPr id="1" name=""/>
-        <p:cNvGrpSpPr/>
-        <p:nvPr/>
-      </p:nvGrpSpPr>
-      <p:grpSpPr>
-        <a:xfrm>
-          <a:off x="0" y="0"/>
-          <a:ext cx="0" cy="0"/>
-          <a:chOff x="0" y="0"/>
-          <a:chExt cx="0" cy="0"/>
-        </a:xfrm>
-      </p:grpSpPr>
-      <p:sp>
-        <p:nvSpPr>
-          <p:cNvPr id="2" name="Title 1">
-            <a:extLst>
-              <a:ext uri="{FF2B5EF4-FFF2-40B4-BE49-F238E27FC236}">
-                <a16:creationId xmlns:a16="http://schemas.microsoft.com/office/drawing/2014/main" id="{AA675B46-CDB0-B7C0-37A7-8B0AC0F16C62}"/>
-              </a:ext>
-            </a:extLst>
-          </p:cNvPr>
-          <p:cNvSpPr>
-            <a:spLocks noGrp="1"/>
-          </p:cNvSpPr>
-          <p:nvPr>
-            <p:ph type="title"/>
-          </p:nvPr>
-        </p:nvSpPr>
-        <p:spPr/>
-        <p:txBody>
-          <a:bodyPr>
-            <a:normAutofit/>
-          </a:bodyPr>
-          <a:lstStyle/>
-          <a:p>
-            <a:r>
-              <a:rPr lang="vi-VN" sz="5400" b="1">
-                <a:solidFill>
-                  <a:schemeClr val="tx2">
-                    <a:lumMod val="90000"/>
-                    <a:lumOff val="10000"/>
-                  </a:schemeClr>
-                </a:solidFill>
-                <a:effectLst>
-                  <a:outerShdw blurRad="50800" dist="38100" dir="2700000" algn="tl" rotWithShape="0">
-                    <a:prstClr val="black">
-                      <a:alpha val="40000"/>
-                    </a:prstClr>
-                  </a:outerShdw>
-                </a:effectLst>
-              </a:rPr>
-              <a:t>PHÂN LOẠI VĂN BẢN</a:t>
-            </a:r>
-            <a:endParaRPr lang="en-US" sz="5400" b="1">
-              <a:solidFill>
-                <a:schemeClr val="tx2">
-                  <a:lumMod val="90000"/>
-                  <a:lumOff val="10000"/>
-                </a:schemeClr>
-              </a:solidFill>
-              <a:effectLst>
-                <a:outerShdw blurRad="50800" dist="38100" dir="2700000" algn="tl" rotWithShape="0">
-                  <a:prstClr val="black">
-                    <a:alpha val="40000"/>
-                  </a:prstClr>
-                </a:outerShdw>
-              </a:effectLst>
-            </a:endParaRPr>
-          </a:p>
-        </p:txBody>
-      </p:sp>
-      <p:sp>
-        <p:nvSpPr>
-          <p:cNvPr id="4" name="Rectangle 3">
-            <a:extLst>
-              <a:ext uri="{FF2B5EF4-FFF2-40B4-BE49-F238E27FC236}">
-                <a16:creationId xmlns:a16="http://schemas.microsoft.com/office/drawing/2014/main" id="{4F46E0BB-1F75-B143-DEB4-E3A2BFF86F6A}"/>
-              </a:ext>
-            </a:extLst>
-          </p:cNvPr>
-          <p:cNvSpPr/>
-          <p:nvPr/>
-        </p:nvSpPr>
-        <p:spPr>
-          <a:xfrm>
-            <a:off x="11914908" y="0"/>
-            <a:ext cx="277091" cy="6858000"/>
-          </a:xfrm>
-          <a:prstGeom prst="rect">
-            <a:avLst/>
-          </a:prstGeom>
-          <a:solidFill>
-            <a:schemeClr val="tx2">
-              <a:lumMod val="90000"/>
-              <a:lumOff val="10000"/>
-            </a:schemeClr>
-          </a:solidFill>
-          <a:ln>
-            <a:solidFill>
-              <a:schemeClr val="tx2">
-                <a:lumMod val="90000"/>
-                <a:lumOff val="10000"/>
-              </a:schemeClr>
-            </a:solidFill>
-          </a:ln>
-        </p:spPr>
-        <p:style>
-          <a:lnRef idx="2">
-            <a:schemeClr val="accent1">
-              <a:shade val="15000"/>
-            </a:schemeClr>
-          </a:lnRef>
-          <a:fillRef idx="1">
-            <a:schemeClr val="accent1"/>
-          </a:fillRef>
-          <a:effectRef idx="0">
-            <a:schemeClr val="accent1"/>
-          </a:effectRef>
-          <a:fontRef idx="minor">
-            <a:schemeClr val="lt1"/>
-          </a:fontRef>
-        </p:style>
-        <p:txBody>
-          <a:bodyPr rtlCol="0" anchor="ctr"/>
-          <a:lstStyle/>
-          <a:p>
-            <a:pPr algn="ctr"/>
-            <a:endParaRPr lang="en-US"/>
-          </a:p>
-        </p:txBody>
-      </p:sp>
-      <p:sp>
-        <p:nvSpPr>
-          <p:cNvPr id="5" name="Rectangle 4">
-            <a:extLst>
-              <a:ext uri="{FF2B5EF4-FFF2-40B4-BE49-F238E27FC236}">
-                <a16:creationId xmlns:a16="http://schemas.microsoft.com/office/drawing/2014/main" id="{FA4BA7D2-6425-7504-9ADA-A15DD76E4697}"/>
-              </a:ext>
-            </a:extLst>
-          </p:cNvPr>
-          <p:cNvSpPr/>
-          <p:nvPr/>
-        </p:nvSpPr>
-        <p:spPr>
-          <a:xfrm>
-            <a:off x="11727295" y="0"/>
-            <a:ext cx="125844" cy="6858000"/>
-          </a:xfrm>
-          <a:prstGeom prst="rect">
-            <a:avLst/>
-          </a:prstGeom>
-          <a:solidFill>
-            <a:schemeClr val="tx2">
-              <a:lumMod val="90000"/>
-              <a:lumOff val="10000"/>
-            </a:schemeClr>
-          </a:solidFill>
-          <a:ln>
-            <a:solidFill>
-              <a:schemeClr val="tx2">
-                <a:lumMod val="90000"/>
-                <a:lumOff val="10000"/>
-              </a:schemeClr>
-            </a:solidFill>
-          </a:ln>
-        </p:spPr>
-        <p:style>
-          <a:lnRef idx="2">
-            <a:schemeClr val="accent1">
-              <a:shade val="15000"/>
-            </a:schemeClr>
-          </a:lnRef>
-          <a:fillRef idx="1">
-            <a:schemeClr val="accent1"/>
-          </a:fillRef>
-          <a:effectRef idx="0">
-            <a:schemeClr val="accent1"/>
-          </a:effectRef>
-          <a:fontRef idx="minor">
-            <a:schemeClr val="lt1"/>
-          </a:fontRef>
-        </p:style>
-        <p:txBody>
-          <a:bodyPr rtlCol="0" anchor="ctr"/>
-          <a:lstStyle/>
-          <a:p>
-            <a:pPr algn="ctr"/>
-            <a:endParaRPr lang="en-US"/>
-          </a:p>
-        </p:txBody>
-      </p:sp>
-      <p:sp>
-        <p:nvSpPr>
-          <p:cNvPr id="6" name="Rectangle 5">
-            <a:extLst>
-              <a:ext uri="{FF2B5EF4-FFF2-40B4-BE49-F238E27FC236}">
-                <a16:creationId xmlns:a16="http://schemas.microsoft.com/office/drawing/2014/main" id="{4C0EE8DA-A280-FE80-807C-7240960D0B81}"/>
-              </a:ext>
-            </a:extLst>
-          </p:cNvPr>
-          <p:cNvSpPr/>
-          <p:nvPr/>
-        </p:nvSpPr>
-        <p:spPr>
-          <a:xfrm>
-            <a:off x="11603758" y="1"/>
-            <a:ext cx="61768" cy="6857999"/>
-          </a:xfrm>
-          <a:prstGeom prst="rect">
-            <a:avLst/>
-          </a:prstGeom>
-          <a:solidFill>
-            <a:schemeClr val="tx2">
-              <a:lumMod val="90000"/>
-              <a:lumOff val="10000"/>
-            </a:schemeClr>
-          </a:solidFill>
-          <a:ln>
-            <a:solidFill>
-              <a:schemeClr val="tx2">
-                <a:lumMod val="90000"/>
-                <a:lumOff val="10000"/>
-              </a:schemeClr>
-            </a:solidFill>
-          </a:ln>
-        </p:spPr>
-        <p:style>
-          <a:lnRef idx="2">
-            <a:schemeClr val="accent1">
-              <a:shade val="15000"/>
-            </a:schemeClr>
-          </a:lnRef>
-          <a:fillRef idx="1">
-            <a:schemeClr val="accent1"/>
-          </a:fillRef>
-          <a:effectRef idx="0">
-            <a:schemeClr val="accent1"/>
-          </a:effectRef>
-          <a:fontRef idx="minor">
-            <a:schemeClr val="lt1"/>
-          </a:fontRef>
-        </p:style>
-        <p:txBody>
-          <a:bodyPr rtlCol="0" anchor="ctr"/>
-          <a:lstStyle/>
-          <a:p>
-            <a:pPr algn="ctr"/>
-            <a:endParaRPr lang="en-US"/>
-          </a:p>
-        </p:txBody>
-      </p:sp>
-      <p:sp>
-        <p:nvSpPr>
-          <p:cNvPr id="10" name="Content Placeholder 2">
-            <a:extLst>
-              <a:ext uri="{FF2B5EF4-FFF2-40B4-BE49-F238E27FC236}">
-                <a16:creationId xmlns:a16="http://schemas.microsoft.com/office/drawing/2014/main" id="{B55D6EF1-1EE1-3F19-0A10-683578286756}"/>
-              </a:ext>
-            </a:extLst>
-          </p:cNvPr>
-          <p:cNvSpPr>
-            <a:spLocks noGrp="1"/>
-          </p:cNvSpPr>
-          <p:nvPr>
-            <p:ph idx="1"/>
-          </p:nvPr>
-        </p:nvSpPr>
-        <p:spPr>
-          <a:xfrm>
-            <a:off x="838200" y="1162628"/>
-            <a:ext cx="8649279" cy="1056119"/>
-          </a:xfrm>
-        </p:spPr>
-        <p:txBody>
-          <a:bodyPr>
-            <a:normAutofit/>
-          </a:bodyPr>
-          <a:lstStyle/>
-          <a:p>
-            <a:pPr>
-              <a:lnSpc>
-                <a:spcPct val="170000"/>
-              </a:lnSpc>
-            </a:pPr>
-            <a:r>
-              <a:rPr lang="vi-VN" sz="3600" b="1">
-                <a:solidFill>
-                  <a:schemeClr val="tx2">
-                    <a:lumMod val="90000"/>
-                    <a:lumOff val="10000"/>
-                  </a:schemeClr>
-                </a:solidFill>
-                <a:latin typeface="+mj-lt"/>
-              </a:rPr>
-              <a:t> Mô hình phân loại văn bản</a:t>
-            </a:r>
-          </a:p>
-        </p:txBody>
-      </p:sp>
-      <p:pic>
-        <p:nvPicPr>
-          <p:cNvPr id="13" name="Picture 12">
-            <a:extLst>
-              <a:ext uri="{FF2B5EF4-FFF2-40B4-BE49-F238E27FC236}">
-                <a16:creationId xmlns:a16="http://schemas.microsoft.com/office/drawing/2014/main" id="{B5DAE854-A054-BF13-B337-55B29CE33C6F}"/>
-              </a:ext>
-            </a:extLst>
-          </p:cNvPr>
-          <p:cNvPicPr>
-            <a:picLocks noChangeAspect="1"/>
-          </p:cNvPicPr>
-          <p:nvPr/>
-        </p:nvPicPr>
-        <p:blipFill>
-          <a:blip r:embed="rId2"/>
-          <a:stretch>
-            <a:fillRect/>
-          </a:stretch>
-        </p:blipFill>
-        <p:spPr>
-          <a:xfrm>
-            <a:off x="326504" y="2400692"/>
-            <a:ext cx="11027296" cy="3916979"/>
-          </a:xfrm>
-          <a:prstGeom prst="rect">
-            <a:avLst/>
-          </a:prstGeom>
-          <a:solidFill>
-            <a:srgbClr val="FFFFFF">
-              <a:shade val="85000"/>
-            </a:srgbClr>
-          </a:solidFill>
-          <a:ln w="88900" cap="sq">
-            <a:solidFill>
-              <a:srgbClr val="FFFFFF"/>
-            </a:solidFill>
-            <a:miter lim="800000"/>
-          </a:ln>
-          <a:effectLst>
-            <a:outerShdw blurRad="55000" dist="18000" dir="5400000" algn="tl" rotWithShape="0">
-              <a:srgbClr val="000000">
-                <a:alpha val="40000"/>
-              </a:srgbClr>
-            </a:outerShdw>
-          </a:effectLst>
-          <a:scene3d>
-            <a:camera prst="orthographicFront"/>
-            <a:lightRig rig="twoPt" dir="t">
-              <a:rot lat="0" lon="0" rev="7200000"/>
-            </a:lightRig>
-          </a:scene3d>
-          <a:sp3d>
-            <a:bevelT w="25400" h="19050"/>
-            <a:contourClr>
-              <a:srgbClr val="FFFFFF"/>
-            </a:contourClr>
-          </a:sp3d>
-        </p:spPr>
-      </p:pic>
-    </p:spTree>
-    <p:extLst>
-      <p:ext uri="{BB962C8B-B14F-4D97-AF65-F5344CB8AC3E}">
-        <p14:creationId xmlns:p14="http://schemas.microsoft.com/office/powerpoint/2010/main" val="3618317551"/>
       </p:ext>
     </p:extLst>
   </p:cSld>
@@ -19839,4 +20563,319 @@
     </a:ext>
   </a:extLst>
 </a:theme>
+</file>
+
+<file path=ppt/theme/theme2.xml><?xml version="1.0" encoding="utf-8"?>
+<a:theme xmlns:a="http://schemas.openxmlformats.org/drawingml/2006/main" name="Office Theme">
+  <a:themeElements>
+    <a:clrScheme name="Office">
+      <a:dk1>
+        <a:sysClr val="windowText" lastClr="000000"/>
+      </a:dk1>
+      <a:lt1>
+        <a:sysClr val="window" lastClr="FFFFFF"/>
+      </a:lt1>
+      <a:dk2>
+        <a:srgbClr val="0E2841"/>
+      </a:dk2>
+      <a:lt2>
+        <a:srgbClr val="E8E8E8"/>
+      </a:lt2>
+      <a:accent1>
+        <a:srgbClr val="156082"/>
+      </a:accent1>
+      <a:accent2>
+        <a:srgbClr val="E97132"/>
+      </a:accent2>
+      <a:accent3>
+        <a:srgbClr val="196B24"/>
+      </a:accent3>
+      <a:accent4>
+        <a:srgbClr val="0F9ED5"/>
+      </a:accent4>
+      <a:accent5>
+        <a:srgbClr val="A02B93"/>
+      </a:accent5>
+      <a:accent6>
+        <a:srgbClr val="4EA72E"/>
+      </a:accent6>
+      <a:hlink>
+        <a:srgbClr val="467886"/>
+      </a:hlink>
+      <a:folHlink>
+        <a:srgbClr val="96607D"/>
+      </a:folHlink>
+    </a:clrScheme>
+    <a:fontScheme name="Office">
+      <a:majorFont>
+        <a:latin typeface="Aptos Display" panose="02110004020202020204"/>
+        <a:ea typeface=""/>
+        <a:cs typeface=""/>
+        <a:font script="Jpan" typeface="游ゴシック Light"/>
+        <a:font script="Hang" typeface="맑은 고딕"/>
+        <a:font script="Hans" typeface="等线 Light"/>
+        <a:font script="Hant" typeface="新細明體"/>
+        <a:font script="Arab" typeface="Times New Roman"/>
+        <a:font script="Hebr" typeface="Times New Roman"/>
+        <a:font script="Thai" typeface="Angsana New"/>
+        <a:font script="Ethi" typeface="Nyala"/>
+        <a:font script="Beng" typeface="Vrinda"/>
+        <a:font script="Gujr" typeface="Shruti"/>
+        <a:font script="Khmr" typeface="MoolBoran"/>
+        <a:font script="Knda" typeface="Tunga"/>
+        <a:font script="Guru" typeface="Raavi"/>
+        <a:font script="Cans" typeface="Euphemia"/>
+        <a:font script="Cher" typeface="Plantagenet Cherokee"/>
+        <a:font script="Yiii" typeface="Microsoft Yi Baiti"/>
+        <a:font script="Tibt" typeface="Microsoft Himalaya"/>
+        <a:font script="Thaa" typeface="MV Boli"/>
+        <a:font script="Deva" typeface="Mangal"/>
+        <a:font script="Telu" typeface="Gautami"/>
+        <a:font script="Taml" typeface="Latha"/>
+        <a:font script="Syrc" typeface="Estrangelo Edessa"/>
+        <a:font script="Orya" typeface="Kalinga"/>
+        <a:font script="Mlym" typeface="Kartika"/>
+        <a:font script="Laoo" typeface="DokChampa"/>
+        <a:font script="Sinh" typeface="Iskoola Pota"/>
+        <a:font script="Mong" typeface="Mongolian Baiti"/>
+        <a:font script="Viet" typeface="Times New Roman"/>
+        <a:font script="Uigh" typeface="Microsoft Uighur"/>
+        <a:font script="Geor" typeface="Sylfaen"/>
+        <a:font script="Armn" typeface="Arial"/>
+        <a:font script="Bugi" typeface="Leelawadee UI"/>
+        <a:font script="Bopo" typeface="Microsoft JhengHei"/>
+        <a:font script="Java" typeface="Javanese Text"/>
+        <a:font script="Lisu" typeface="Segoe UI"/>
+        <a:font script="Mymr" typeface="Myanmar Text"/>
+        <a:font script="Nkoo" typeface="Ebrima"/>
+        <a:font script="Olck" typeface="Nirmala UI"/>
+        <a:font script="Osma" typeface="Ebrima"/>
+        <a:font script="Phag" typeface="Phagspa"/>
+        <a:font script="Syrn" typeface="Estrangelo Edessa"/>
+        <a:font script="Syrj" typeface="Estrangelo Edessa"/>
+        <a:font script="Syre" typeface="Estrangelo Edessa"/>
+        <a:font script="Sora" typeface="Nirmala UI"/>
+        <a:font script="Tale" typeface="Microsoft Tai Le"/>
+        <a:font script="Talu" typeface="Microsoft New Tai Lue"/>
+        <a:font script="Tfng" typeface="Ebrima"/>
+      </a:majorFont>
+      <a:minorFont>
+        <a:latin typeface="Aptos" panose="02110004020202020204"/>
+        <a:ea typeface=""/>
+        <a:cs typeface=""/>
+        <a:font script="Jpan" typeface="游ゴシック"/>
+        <a:font script="Hang" typeface="맑은 고딕"/>
+        <a:font script="Hans" typeface="等线"/>
+        <a:font script="Hant" typeface="新細明體"/>
+        <a:font script="Arab" typeface="Arial"/>
+        <a:font script="Hebr" typeface="Arial"/>
+        <a:font script="Thai" typeface="Cordia New"/>
+        <a:font script="Ethi" typeface="Nyala"/>
+        <a:font script="Beng" typeface="Vrinda"/>
+        <a:font script="Gujr" typeface="Shruti"/>
+        <a:font script="Khmr" typeface="DaunPenh"/>
+        <a:font script="Knda" typeface="Tunga"/>
+        <a:font script="Guru" typeface="Raavi"/>
+        <a:font script="Cans" typeface="Euphemia"/>
+        <a:font script="Cher" typeface="Plantagenet Cherokee"/>
+        <a:font script="Yiii" typeface="Microsoft Yi Baiti"/>
+        <a:font script="Tibt" typeface="Microsoft Himalaya"/>
+        <a:font script="Thaa" typeface="MV Boli"/>
+        <a:font script="Deva" typeface="Mangal"/>
+        <a:font script="Telu" typeface="Gautami"/>
+        <a:font script="Taml" typeface="Latha"/>
+        <a:font script="Syrc" typeface="Estrangelo Edessa"/>
+        <a:font script="Orya" typeface="Kalinga"/>
+        <a:font script="Mlym" typeface="Kartika"/>
+        <a:font script="Laoo" typeface="DokChampa"/>
+        <a:font script="Sinh" typeface="Iskoola Pota"/>
+        <a:font script="Mong" typeface="Mongolian Baiti"/>
+        <a:font script="Viet" typeface="Arial"/>
+        <a:font script="Uigh" typeface="Microsoft Uighur"/>
+        <a:font script="Geor" typeface="Sylfaen"/>
+        <a:font script="Armn" typeface="Arial"/>
+        <a:font script="Bugi" typeface="Leelawadee UI"/>
+        <a:font script="Bopo" typeface="Microsoft JhengHei"/>
+        <a:font script="Java" typeface="Javanese Text"/>
+        <a:font script="Lisu" typeface="Segoe UI"/>
+        <a:font script="Mymr" typeface="Myanmar Text"/>
+        <a:font script="Nkoo" typeface="Ebrima"/>
+        <a:font script="Olck" typeface="Nirmala UI"/>
+        <a:font script="Osma" typeface="Ebrima"/>
+        <a:font script="Phag" typeface="Phagspa"/>
+        <a:font script="Syrn" typeface="Estrangelo Edessa"/>
+        <a:font script="Syrj" typeface="Estrangelo Edessa"/>
+        <a:font script="Syre" typeface="Estrangelo Edessa"/>
+        <a:font script="Sora" typeface="Nirmala UI"/>
+        <a:font script="Tale" typeface="Microsoft Tai Le"/>
+        <a:font script="Talu" typeface="Microsoft New Tai Lue"/>
+        <a:font script="Tfng" typeface="Ebrima"/>
+      </a:minorFont>
+    </a:fontScheme>
+    <a:fmtScheme name="Office">
+      <a:fillStyleLst>
+        <a:solidFill>
+          <a:schemeClr val="phClr"/>
+        </a:solidFill>
+        <a:gradFill rotWithShape="1">
+          <a:gsLst>
+            <a:gs pos="0">
+              <a:schemeClr val="phClr">
+                <a:lumMod val="110000"/>
+                <a:satMod val="105000"/>
+                <a:tint val="67000"/>
+              </a:schemeClr>
+            </a:gs>
+            <a:gs pos="50000">
+              <a:schemeClr val="phClr">
+                <a:lumMod val="105000"/>
+                <a:satMod val="103000"/>
+                <a:tint val="73000"/>
+              </a:schemeClr>
+            </a:gs>
+            <a:gs pos="100000">
+              <a:schemeClr val="phClr">
+                <a:lumMod val="105000"/>
+                <a:satMod val="109000"/>
+                <a:tint val="81000"/>
+              </a:schemeClr>
+            </a:gs>
+          </a:gsLst>
+          <a:lin ang="5400000" scaled="0"/>
+        </a:gradFill>
+        <a:gradFill rotWithShape="1">
+          <a:gsLst>
+            <a:gs pos="0">
+              <a:schemeClr val="phClr">
+                <a:satMod val="103000"/>
+                <a:lumMod val="102000"/>
+                <a:tint val="94000"/>
+              </a:schemeClr>
+            </a:gs>
+            <a:gs pos="50000">
+              <a:schemeClr val="phClr">
+                <a:satMod val="110000"/>
+                <a:lumMod val="100000"/>
+                <a:shade val="100000"/>
+              </a:schemeClr>
+            </a:gs>
+            <a:gs pos="100000">
+              <a:schemeClr val="phClr">
+                <a:lumMod val="99000"/>
+                <a:satMod val="120000"/>
+                <a:shade val="78000"/>
+              </a:schemeClr>
+            </a:gs>
+          </a:gsLst>
+          <a:lin ang="5400000" scaled="0"/>
+        </a:gradFill>
+      </a:fillStyleLst>
+      <a:lnStyleLst>
+        <a:ln w="12700" cap="flat" cmpd="sng" algn="ctr">
+          <a:solidFill>
+            <a:schemeClr val="phClr"/>
+          </a:solidFill>
+          <a:prstDash val="solid"/>
+          <a:miter lim="800000"/>
+        </a:ln>
+        <a:ln w="19050" cap="flat" cmpd="sng" algn="ctr">
+          <a:solidFill>
+            <a:schemeClr val="phClr"/>
+          </a:solidFill>
+          <a:prstDash val="solid"/>
+          <a:miter lim="800000"/>
+        </a:ln>
+        <a:ln w="25400" cap="flat" cmpd="sng" algn="ctr">
+          <a:solidFill>
+            <a:schemeClr val="phClr"/>
+          </a:solidFill>
+          <a:prstDash val="solid"/>
+          <a:miter lim="800000"/>
+        </a:ln>
+      </a:lnStyleLst>
+      <a:effectStyleLst>
+        <a:effectStyle>
+          <a:effectLst/>
+        </a:effectStyle>
+        <a:effectStyle>
+          <a:effectLst/>
+        </a:effectStyle>
+        <a:effectStyle>
+          <a:effectLst>
+            <a:outerShdw blurRad="57150" dist="19050" dir="5400000" algn="ctr" rotWithShape="0">
+              <a:srgbClr val="000000">
+                <a:alpha val="63000"/>
+              </a:srgbClr>
+            </a:outerShdw>
+          </a:effectLst>
+        </a:effectStyle>
+      </a:effectStyleLst>
+      <a:bgFillStyleLst>
+        <a:solidFill>
+          <a:schemeClr val="phClr"/>
+        </a:solidFill>
+        <a:solidFill>
+          <a:schemeClr val="phClr">
+            <a:tint val="95000"/>
+            <a:satMod val="170000"/>
+          </a:schemeClr>
+        </a:solidFill>
+        <a:gradFill rotWithShape="1">
+          <a:gsLst>
+            <a:gs pos="0">
+              <a:schemeClr val="phClr">
+                <a:tint val="93000"/>
+                <a:satMod val="150000"/>
+                <a:shade val="98000"/>
+                <a:lumMod val="102000"/>
+              </a:schemeClr>
+            </a:gs>
+            <a:gs pos="50000">
+              <a:schemeClr val="phClr">
+                <a:tint val="98000"/>
+                <a:satMod val="130000"/>
+                <a:shade val="90000"/>
+                <a:lumMod val="103000"/>
+              </a:schemeClr>
+            </a:gs>
+            <a:gs pos="100000">
+              <a:schemeClr val="phClr">
+                <a:shade val="63000"/>
+                <a:satMod val="120000"/>
+              </a:schemeClr>
+            </a:gs>
+          </a:gsLst>
+          <a:lin ang="5400000" scaled="0"/>
+        </a:gradFill>
+      </a:bgFillStyleLst>
+    </a:fmtScheme>
+  </a:themeElements>
+  <a:objectDefaults>
+    <a:lnDef>
+      <a:spPr/>
+      <a:bodyPr/>
+      <a:lstStyle/>
+      <a:style>
+        <a:lnRef idx="2">
+          <a:schemeClr val="accent1"/>
+        </a:lnRef>
+        <a:fillRef idx="0">
+          <a:schemeClr val="accent1"/>
+        </a:fillRef>
+        <a:effectRef idx="1">
+          <a:schemeClr val="accent1"/>
+        </a:effectRef>
+        <a:fontRef idx="minor">
+          <a:schemeClr val="tx1"/>
+        </a:fontRef>
+      </a:style>
+    </a:lnDef>
+  </a:objectDefaults>
+  <a:extraClrSchemeLst/>
+  <a:extLst>
+    <a:ext uri="{05A4C25C-085E-4340-85A3-A5531E510DB2}">
+      <thm15:themeFamily xmlns:thm15="http://schemas.microsoft.com/office/thememl/2012/main" name="Office Theme" id="{2E142A2C-CD16-42D6-873A-C26D2A0506FA}" vid="{1BDDFF52-6CD6-40A5-AB3C-68EB2F1E4D0A}"/>
+    </a:ext>
+  </a:extLst>
+</a:theme>
 </file>